--- a/TAF - ICES tutorial/Introduction to scripts and tutorial on running FBIT.pptx
+++ b/TAF - ICES tutorial/Introduction to scripts and tutorial on running FBIT.pptx
@@ -21,8 +21,9 @@
     <p:sldId id="265" r:id="rId15"/>
     <p:sldId id="273" r:id="rId16"/>
     <p:sldId id="267" r:id="rId17"/>
-    <p:sldId id="274" r:id="rId18"/>
-    <p:sldId id="270" r:id="rId19"/>
+    <p:sldId id="279" r:id="rId18"/>
+    <p:sldId id="281" r:id="rId19"/>
+    <p:sldId id="274" r:id="rId20"/>
   </p:sldIdLst>
   <p:sldSz cx="12192000" cy="6858000"/>
   <p:notesSz cx="6858000" cy="9144000"/>
@@ -171,7 +172,7 @@
           </a:lstStyle>
           <a:p>
             <a:r>
-              <a:rPr lang="en-US" smtClean="0"/>
+              <a:rPr lang="en-US"/>
               <a:t>Click to edit Master title style</a:t>
             </a:r>
             <a:endParaRPr lang="en-GB"/>
@@ -236,7 +237,7 @@
           </a:lstStyle>
           <a:p>
             <a:r>
-              <a:rPr lang="en-US" smtClean="0"/>
+              <a:rPr lang="en-US"/>
               <a:t>Click to edit Master subtitle style</a:t>
             </a:r>
             <a:endParaRPr lang="en-GB"/>
@@ -260,7 +261,7 @@
           <a:p>
             <a:fld id="{11F330F3-FCA5-4861-8B1F-83A2381A703A}" type="datetimeFigureOut">
               <a:rPr lang="en-GB" smtClean="0"/>
-              <a:t>07/10/2019</a:t>
+              <a:t>08/09/2020</a:t>
             </a:fld>
             <a:endParaRPr lang="en-GB"/>
           </a:p>
@@ -354,7 +355,7 @@
           <a:lstStyle/>
           <a:p>
             <a:r>
-              <a:rPr lang="en-US" smtClean="0"/>
+              <a:rPr lang="en-US"/>
               <a:t>Click to edit Master title style</a:t>
             </a:r>
             <a:endParaRPr lang="en-GB"/>
@@ -378,35 +379,35 @@
           <a:p>
             <a:pPr lvl="0"/>
             <a:r>
-              <a:rPr lang="en-US" smtClean="0"/>
+              <a:rPr lang="en-US"/>
               <a:t>Edit Master text styles</a:t>
             </a:r>
           </a:p>
           <a:p>
             <a:pPr lvl="1"/>
             <a:r>
-              <a:rPr lang="en-US" smtClean="0"/>
+              <a:rPr lang="en-US"/>
               <a:t>Second level</a:t>
             </a:r>
           </a:p>
           <a:p>
             <a:pPr lvl="2"/>
             <a:r>
-              <a:rPr lang="en-US" smtClean="0"/>
+              <a:rPr lang="en-US"/>
               <a:t>Third level</a:t>
             </a:r>
           </a:p>
           <a:p>
             <a:pPr lvl="3"/>
             <a:r>
-              <a:rPr lang="en-US" smtClean="0"/>
+              <a:rPr lang="en-US"/>
               <a:t>Fourth level</a:t>
             </a:r>
           </a:p>
           <a:p>
             <a:pPr lvl="4"/>
             <a:r>
-              <a:rPr lang="en-US" smtClean="0"/>
+              <a:rPr lang="en-US"/>
               <a:t>Fifth level</a:t>
             </a:r>
             <a:endParaRPr lang="en-GB"/>
@@ -430,7 +431,7 @@
           <a:p>
             <a:fld id="{11F330F3-FCA5-4861-8B1F-83A2381A703A}" type="datetimeFigureOut">
               <a:rPr lang="en-GB" smtClean="0"/>
-              <a:t>07/10/2019</a:t>
+              <a:t>08/09/2020</a:t>
             </a:fld>
             <a:endParaRPr lang="en-GB"/>
           </a:p>
@@ -529,7 +530,7 @@
           <a:lstStyle/>
           <a:p>
             <a:r>
-              <a:rPr lang="en-US" smtClean="0"/>
+              <a:rPr lang="en-US"/>
               <a:t>Click to edit Master title style</a:t>
             </a:r>
             <a:endParaRPr lang="en-GB"/>
@@ -558,35 +559,35 @@
           <a:p>
             <a:pPr lvl="0"/>
             <a:r>
-              <a:rPr lang="en-US" smtClean="0"/>
+              <a:rPr lang="en-US"/>
               <a:t>Edit Master text styles</a:t>
             </a:r>
           </a:p>
           <a:p>
             <a:pPr lvl="1"/>
             <a:r>
-              <a:rPr lang="en-US" smtClean="0"/>
+              <a:rPr lang="en-US"/>
               <a:t>Second level</a:t>
             </a:r>
           </a:p>
           <a:p>
             <a:pPr lvl="2"/>
             <a:r>
-              <a:rPr lang="en-US" smtClean="0"/>
+              <a:rPr lang="en-US"/>
               <a:t>Third level</a:t>
             </a:r>
           </a:p>
           <a:p>
             <a:pPr lvl="3"/>
             <a:r>
-              <a:rPr lang="en-US" smtClean="0"/>
+              <a:rPr lang="en-US"/>
               <a:t>Fourth level</a:t>
             </a:r>
           </a:p>
           <a:p>
             <a:pPr lvl="4"/>
             <a:r>
-              <a:rPr lang="en-US" smtClean="0"/>
+              <a:rPr lang="en-US"/>
               <a:t>Fifth level</a:t>
             </a:r>
             <a:endParaRPr lang="en-GB"/>
@@ -610,7 +611,7 @@
           <a:p>
             <a:fld id="{11F330F3-FCA5-4861-8B1F-83A2381A703A}" type="datetimeFigureOut">
               <a:rPr lang="en-GB" smtClean="0"/>
-              <a:t>07/10/2019</a:t>
+              <a:t>08/09/2020</a:t>
             </a:fld>
             <a:endParaRPr lang="en-GB"/>
           </a:p>
@@ -668,6 +669,186 @@
   <p:clrMapOvr>
     <a:masterClrMapping/>
   </p:clrMapOvr>
+</p:sldLayout>
+</file>
+
+<file path=ppt/slideLayouts/slideLayout12.xml><?xml version="1.0" encoding="utf-8"?>
+<p:sldLayout xmlns:a="http://schemas.openxmlformats.org/drawingml/2006/main" xmlns:r="http://schemas.openxmlformats.org/officeDocument/2006/relationships" xmlns:p="http://schemas.openxmlformats.org/presentationml/2006/main" userDrawn="1">
+  <p:cSld name="One content">
+    <p:spTree>
+      <p:nvGrpSpPr>
+        <p:cNvPr id="1" name=""/>
+        <p:cNvGrpSpPr/>
+        <p:nvPr/>
+      </p:nvGrpSpPr>
+      <p:grpSpPr>
+        <a:xfrm>
+          <a:off x="0" y="0"/>
+          <a:ext cx="0" cy="0"/>
+          <a:chOff x="0" y="0"/>
+          <a:chExt cx="0" cy="0"/>
+        </a:xfrm>
+      </p:grpSpPr>
+      <p:sp>
+        <p:nvSpPr>
+          <p:cNvPr id="7" name="Title 6">
+            <a:extLst>
+              <a:ext uri="{FF2B5EF4-FFF2-40B4-BE49-F238E27FC236}">
+                <a16:creationId xmlns:a16="http://schemas.microsoft.com/office/drawing/2014/main" id="{248A0E3C-0CE1-4BBF-A912-5A81BF3B7BCA}"/>
+              </a:ext>
+            </a:extLst>
+          </p:cNvPr>
+          <p:cNvSpPr>
+            <a:spLocks noGrp="1"/>
+          </p:cNvSpPr>
+          <p:nvPr>
+            <p:ph type="title"/>
+          </p:nvPr>
+        </p:nvSpPr>
+        <p:spPr/>
+        <p:txBody>
+          <a:bodyPr/>
+          <a:lstStyle/>
+          <a:p>
+            <a:r>
+              <a:rPr lang="en-GB" dirty="0"/>
+              <a:t>Click to edit Master title style</a:t>
+            </a:r>
+          </a:p>
+        </p:txBody>
+      </p:sp>
+      <p:sp>
+        <p:nvSpPr>
+          <p:cNvPr id="3" name="Content Placeholder 2"/>
+          <p:cNvSpPr>
+            <a:spLocks noGrp="1"/>
+          </p:cNvSpPr>
+          <p:nvPr>
+            <p:ph idx="1"/>
+          </p:nvPr>
+        </p:nvSpPr>
+        <p:spPr/>
+        <p:txBody>
+          <a:bodyPr/>
+          <a:lstStyle/>
+          <a:p>
+            <a:pPr lvl="0"/>
+            <a:r>
+              <a:rPr lang="en-GB" dirty="0"/>
+              <a:t>Edit Master text styles</a:t>
+            </a:r>
+          </a:p>
+          <a:p>
+            <a:pPr lvl="1"/>
+            <a:r>
+              <a:rPr lang="en-GB" dirty="0"/>
+              <a:t>Second level</a:t>
+            </a:r>
+          </a:p>
+          <a:p>
+            <a:pPr lvl="2"/>
+            <a:r>
+              <a:rPr lang="en-GB" dirty="0"/>
+              <a:t>Third level</a:t>
+            </a:r>
+          </a:p>
+          <a:p>
+            <a:pPr lvl="3"/>
+            <a:r>
+              <a:rPr lang="en-GB" dirty="0"/>
+              <a:t>Fourth level</a:t>
+            </a:r>
+          </a:p>
+          <a:p>
+            <a:pPr lvl="4"/>
+            <a:r>
+              <a:rPr lang="en-GB" dirty="0"/>
+              <a:t>Fifth level</a:t>
+            </a:r>
+          </a:p>
+        </p:txBody>
+      </p:sp>
+      <p:sp>
+        <p:nvSpPr>
+          <p:cNvPr id="2" name="Footer Placeholder 1">
+            <a:extLst>
+              <a:ext uri="{FF2B5EF4-FFF2-40B4-BE49-F238E27FC236}">
+                <a16:creationId xmlns:a16="http://schemas.microsoft.com/office/drawing/2014/main" id="{1FCA8860-CDAD-4F91-9292-2B11655C191E}"/>
+              </a:ext>
+            </a:extLst>
+          </p:cNvPr>
+          <p:cNvSpPr>
+            <a:spLocks noGrp="1"/>
+          </p:cNvSpPr>
+          <p:nvPr>
+            <p:ph type="ftr" sz="quarter" idx="10"/>
+          </p:nvPr>
+        </p:nvSpPr>
+        <p:spPr/>
+        <p:txBody>
+          <a:bodyPr/>
+          <a:lstStyle/>
+          <a:p>
+            <a:endParaRPr lang="en-GB" dirty="0"/>
+          </a:p>
+        </p:txBody>
+      </p:sp>
+      <p:sp>
+        <p:nvSpPr>
+          <p:cNvPr id="6" name="Slide Number Placeholder 5">
+            <a:extLst>
+              <a:ext uri="{FF2B5EF4-FFF2-40B4-BE49-F238E27FC236}">
+                <a16:creationId xmlns:a16="http://schemas.microsoft.com/office/drawing/2014/main" id="{88C7A21B-9B48-4777-BF0D-9FB95719C2E7}"/>
+              </a:ext>
+            </a:extLst>
+          </p:cNvPr>
+          <p:cNvSpPr>
+            <a:spLocks noGrp="1"/>
+          </p:cNvSpPr>
+          <p:nvPr>
+            <p:ph type="sldNum" sz="quarter" idx="11"/>
+          </p:nvPr>
+        </p:nvSpPr>
+        <p:spPr/>
+        <p:txBody>
+          <a:bodyPr/>
+          <a:lstStyle/>
+          <a:p>
+            <a:fld id="{103EA872-A674-449B-A120-B97244F8E91D}" type="slidenum">
+              <a:rPr lang="en-GB" smtClean="0"/>
+              <a:pPr/>
+              <a:t>‹#›</a:t>
+            </a:fld>
+            <a:endParaRPr lang="en-GB" dirty="0"/>
+          </a:p>
+        </p:txBody>
+      </p:sp>
+    </p:spTree>
+    <p:extLst>
+      <p:ext uri="{BB962C8B-B14F-4D97-AF65-F5344CB8AC3E}">
+        <p14:creationId xmlns:p14="http://schemas.microsoft.com/office/powerpoint/2010/main" val="3189338143"/>
+      </p:ext>
+    </p:extLst>
+  </p:cSld>
+  <p:clrMapOvr>
+    <a:masterClrMapping/>
+  </p:clrMapOvr>
+  <p:extLst>
+    <p:ext uri="{DCECCB84-F9BA-43D5-87BE-67443E8EF086}">
+      <p15:sldGuideLst xmlns:p15="http://schemas.microsoft.com/office/powerpoint/2012/main">
+        <p15:guide id="1" pos="6984">
+          <p15:clr>
+            <a:srgbClr val="F26B43"/>
+          </p15:clr>
+        </p15:guide>
+        <p15:guide id="2" pos="1117">
+          <p15:clr>
+            <a:srgbClr val="F26B43"/>
+          </p15:clr>
+        </p15:guide>
+      </p15:sldGuideLst>
+    </p:ext>
+  </p:extLst>
 </p:sldLayout>
 </file>
 
@@ -704,7 +885,7 @@
           <a:lstStyle/>
           <a:p>
             <a:r>
-              <a:rPr lang="en-US" smtClean="0"/>
+              <a:rPr lang="en-US"/>
               <a:t>Click to edit Master title style</a:t>
             </a:r>
             <a:endParaRPr lang="en-GB"/>
@@ -728,35 +909,35 @@
           <a:p>
             <a:pPr lvl="0"/>
             <a:r>
-              <a:rPr lang="en-US" smtClean="0"/>
+              <a:rPr lang="en-US"/>
               <a:t>Edit Master text styles</a:t>
             </a:r>
           </a:p>
           <a:p>
             <a:pPr lvl="1"/>
             <a:r>
-              <a:rPr lang="en-US" smtClean="0"/>
+              <a:rPr lang="en-US"/>
               <a:t>Second level</a:t>
             </a:r>
           </a:p>
           <a:p>
             <a:pPr lvl="2"/>
             <a:r>
-              <a:rPr lang="en-US" smtClean="0"/>
+              <a:rPr lang="en-US"/>
               <a:t>Third level</a:t>
             </a:r>
           </a:p>
           <a:p>
             <a:pPr lvl="3"/>
             <a:r>
-              <a:rPr lang="en-US" smtClean="0"/>
+              <a:rPr lang="en-US"/>
               <a:t>Fourth level</a:t>
             </a:r>
           </a:p>
           <a:p>
             <a:pPr lvl="4"/>
             <a:r>
-              <a:rPr lang="en-US" smtClean="0"/>
+              <a:rPr lang="en-US"/>
               <a:t>Fifth level</a:t>
             </a:r>
             <a:endParaRPr lang="en-GB"/>
@@ -780,7 +961,7 @@
           <a:p>
             <a:fld id="{11F330F3-FCA5-4861-8B1F-83A2381A703A}" type="datetimeFigureOut">
               <a:rPr lang="en-GB" smtClean="0"/>
-              <a:t>07/10/2019</a:t>
+              <a:t>08/09/2020</a:t>
             </a:fld>
             <a:endParaRPr lang="en-GB"/>
           </a:p>
@@ -883,7 +1064,7 @@
           </a:lstStyle>
           <a:p>
             <a:r>
-              <a:rPr lang="en-US" smtClean="0"/>
+              <a:rPr lang="en-US"/>
               <a:t>Click to edit Master title style</a:t>
             </a:r>
             <a:endParaRPr lang="en-GB"/>
@@ -1003,7 +1184,7 @@
           <a:p>
             <a:pPr lvl="0"/>
             <a:r>
-              <a:rPr lang="en-US" smtClean="0"/>
+              <a:rPr lang="en-US"/>
               <a:t>Edit Master text styles</a:t>
             </a:r>
           </a:p>
@@ -1026,7 +1207,7 @@
           <a:p>
             <a:fld id="{11F330F3-FCA5-4861-8B1F-83A2381A703A}" type="datetimeFigureOut">
               <a:rPr lang="en-GB" smtClean="0"/>
-              <a:t>07/10/2019</a:t>
+              <a:t>08/09/2020</a:t>
             </a:fld>
             <a:endParaRPr lang="en-GB"/>
           </a:p>
@@ -1120,7 +1301,7 @@
           <a:lstStyle/>
           <a:p>
             <a:r>
-              <a:rPr lang="en-US" smtClean="0"/>
+              <a:rPr lang="en-US"/>
               <a:t>Click to edit Master title style</a:t>
             </a:r>
             <a:endParaRPr lang="en-GB"/>
@@ -1149,35 +1330,35 @@
           <a:p>
             <a:pPr lvl="0"/>
             <a:r>
-              <a:rPr lang="en-US" smtClean="0"/>
+              <a:rPr lang="en-US"/>
               <a:t>Edit Master text styles</a:t>
             </a:r>
           </a:p>
           <a:p>
             <a:pPr lvl="1"/>
             <a:r>
-              <a:rPr lang="en-US" smtClean="0"/>
+              <a:rPr lang="en-US"/>
               <a:t>Second level</a:t>
             </a:r>
           </a:p>
           <a:p>
             <a:pPr lvl="2"/>
             <a:r>
-              <a:rPr lang="en-US" smtClean="0"/>
+              <a:rPr lang="en-US"/>
               <a:t>Third level</a:t>
             </a:r>
           </a:p>
           <a:p>
             <a:pPr lvl="3"/>
             <a:r>
-              <a:rPr lang="en-US" smtClean="0"/>
+              <a:rPr lang="en-US"/>
               <a:t>Fourth level</a:t>
             </a:r>
           </a:p>
           <a:p>
             <a:pPr lvl="4"/>
             <a:r>
-              <a:rPr lang="en-US" smtClean="0"/>
+              <a:rPr lang="en-US"/>
               <a:t>Fifth level</a:t>
             </a:r>
             <a:endParaRPr lang="en-GB"/>
@@ -1206,35 +1387,35 @@
           <a:p>
             <a:pPr lvl="0"/>
             <a:r>
-              <a:rPr lang="en-US" smtClean="0"/>
+              <a:rPr lang="en-US"/>
               <a:t>Edit Master text styles</a:t>
             </a:r>
           </a:p>
           <a:p>
             <a:pPr lvl="1"/>
             <a:r>
-              <a:rPr lang="en-US" smtClean="0"/>
+              <a:rPr lang="en-US"/>
               <a:t>Second level</a:t>
             </a:r>
           </a:p>
           <a:p>
             <a:pPr lvl="2"/>
             <a:r>
-              <a:rPr lang="en-US" smtClean="0"/>
+              <a:rPr lang="en-US"/>
               <a:t>Third level</a:t>
             </a:r>
           </a:p>
           <a:p>
             <a:pPr lvl="3"/>
             <a:r>
-              <a:rPr lang="en-US" smtClean="0"/>
+              <a:rPr lang="en-US"/>
               <a:t>Fourth level</a:t>
             </a:r>
           </a:p>
           <a:p>
             <a:pPr lvl="4"/>
             <a:r>
-              <a:rPr lang="en-US" smtClean="0"/>
+              <a:rPr lang="en-US"/>
               <a:t>Fifth level</a:t>
             </a:r>
             <a:endParaRPr lang="en-GB"/>
@@ -1258,7 +1439,7 @@
           <a:p>
             <a:fld id="{11F330F3-FCA5-4861-8B1F-83A2381A703A}" type="datetimeFigureOut">
               <a:rPr lang="en-GB" smtClean="0"/>
-              <a:t>07/10/2019</a:t>
+              <a:t>08/09/2020</a:t>
             </a:fld>
             <a:endParaRPr lang="en-GB"/>
           </a:p>
@@ -1357,7 +1538,7 @@
           <a:lstStyle/>
           <a:p>
             <a:r>
-              <a:rPr lang="en-US" smtClean="0"/>
+              <a:rPr lang="en-US"/>
               <a:t>Click to edit Master title style</a:t>
             </a:r>
             <a:endParaRPr lang="en-GB"/>
@@ -1423,7 +1604,7 @@
           <a:p>
             <a:pPr lvl="0"/>
             <a:r>
-              <a:rPr lang="en-US" smtClean="0"/>
+              <a:rPr lang="en-US"/>
               <a:t>Edit Master text styles</a:t>
             </a:r>
           </a:p>
@@ -1451,35 +1632,35 @@
           <a:p>
             <a:pPr lvl="0"/>
             <a:r>
-              <a:rPr lang="en-US" smtClean="0"/>
+              <a:rPr lang="en-US"/>
               <a:t>Edit Master text styles</a:t>
             </a:r>
           </a:p>
           <a:p>
             <a:pPr lvl="1"/>
             <a:r>
-              <a:rPr lang="en-US" smtClean="0"/>
+              <a:rPr lang="en-US"/>
               <a:t>Second level</a:t>
             </a:r>
           </a:p>
           <a:p>
             <a:pPr lvl="2"/>
             <a:r>
-              <a:rPr lang="en-US" smtClean="0"/>
+              <a:rPr lang="en-US"/>
               <a:t>Third level</a:t>
             </a:r>
           </a:p>
           <a:p>
             <a:pPr lvl="3"/>
             <a:r>
-              <a:rPr lang="en-US" smtClean="0"/>
+              <a:rPr lang="en-US"/>
               <a:t>Fourth level</a:t>
             </a:r>
           </a:p>
           <a:p>
             <a:pPr lvl="4"/>
             <a:r>
-              <a:rPr lang="en-US" smtClean="0"/>
+              <a:rPr lang="en-US"/>
               <a:t>Fifth level</a:t>
             </a:r>
             <a:endParaRPr lang="en-GB"/>
@@ -1545,7 +1726,7 @@
           <a:p>
             <a:pPr lvl="0"/>
             <a:r>
-              <a:rPr lang="en-US" smtClean="0"/>
+              <a:rPr lang="en-US"/>
               <a:t>Edit Master text styles</a:t>
             </a:r>
           </a:p>
@@ -1573,35 +1754,35 @@
           <a:p>
             <a:pPr lvl="0"/>
             <a:r>
-              <a:rPr lang="en-US" smtClean="0"/>
+              <a:rPr lang="en-US"/>
               <a:t>Edit Master text styles</a:t>
             </a:r>
           </a:p>
           <a:p>
             <a:pPr lvl="1"/>
             <a:r>
-              <a:rPr lang="en-US" smtClean="0"/>
+              <a:rPr lang="en-US"/>
               <a:t>Second level</a:t>
             </a:r>
           </a:p>
           <a:p>
             <a:pPr lvl="2"/>
             <a:r>
-              <a:rPr lang="en-US" smtClean="0"/>
+              <a:rPr lang="en-US"/>
               <a:t>Third level</a:t>
             </a:r>
           </a:p>
           <a:p>
             <a:pPr lvl="3"/>
             <a:r>
-              <a:rPr lang="en-US" smtClean="0"/>
+              <a:rPr lang="en-US"/>
               <a:t>Fourth level</a:t>
             </a:r>
           </a:p>
           <a:p>
             <a:pPr lvl="4"/>
             <a:r>
-              <a:rPr lang="en-US" smtClean="0"/>
+              <a:rPr lang="en-US"/>
               <a:t>Fifth level</a:t>
             </a:r>
             <a:endParaRPr lang="en-GB"/>
@@ -1625,7 +1806,7 @@
           <a:p>
             <a:fld id="{11F330F3-FCA5-4861-8B1F-83A2381A703A}" type="datetimeFigureOut">
               <a:rPr lang="en-GB" smtClean="0"/>
-              <a:t>07/10/2019</a:t>
+              <a:t>08/09/2020</a:t>
             </a:fld>
             <a:endParaRPr lang="en-GB"/>
           </a:p>
@@ -1719,7 +1900,7 @@
           <a:lstStyle/>
           <a:p>
             <a:r>
-              <a:rPr lang="en-US" smtClean="0"/>
+              <a:rPr lang="en-US"/>
               <a:t>Click to edit Master title style</a:t>
             </a:r>
             <a:endParaRPr lang="en-GB"/>
@@ -1743,7 +1924,7 @@
           <a:p>
             <a:fld id="{11F330F3-FCA5-4861-8B1F-83A2381A703A}" type="datetimeFigureOut">
               <a:rPr lang="en-GB" smtClean="0"/>
-              <a:t>07/10/2019</a:t>
+              <a:t>08/09/2020</a:t>
             </a:fld>
             <a:endParaRPr lang="en-GB"/>
           </a:p>
@@ -1838,7 +2019,7 @@
           <a:p>
             <a:fld id="{11F330F3-FCA5-4861-8B1F-83A2381A703A}" type="datetimeFigureOut">
               <a:rPr lang="en-GB" smtClean="0"/>
-              <a:t>07/10/2019</a:t>
+              <a:t>08/09/2020</a:t>
             </a:fld>
             <a:endParaRPr lang="en-GB"/>
           </a:p>
@@ -1941,7 +2122,7 @@
           </a:lstStyle>
           <a:p>
             <a:r>
-              <a:rPr lang="en-US" smtClean="0"/>
+              <a:rPr lang="en-US"/>
               <a:t>Click to edit Master title style</a:t>
             </a:r>
             <a:endParaRPr lang="en-GB"/>
@@ -1998,35 +2179,35 @@
           <a:p>
             <a:pPr lvl="0"/>
             <a:r>
-              <a:rPr lang="en-US" smtClean="0"/>
+              <a:rPr lang="en-US"/>
               <a:t>Edit Master text styles</a:t>
             </a:r>
           </a:p>
           <a:p>
             <a:pPr lvl="1"/>
             <a:r>
-              <a:rPr lang="en-US" smtClean="0"/>
+              <a:rPr lang="en-US"/>
               <a:t>Second level</a:t>
             </a:r>
           </a:p>
           <a:p>
             <a:pPr lvl="2"/>
             <a:r>
-              <a:rPr lang="en-US" smtClean="0"/>
+              <a:rPr lang="en-US"/>
               <a:t>Third level</a:t>
             </a:r>
           </a:p>
           <a:p>
             <a:pPr lvl="3"/>
             <a:r>
-              <a:rPr lang="en-US" smtClean="0"/>
+              <a:rPr lang="en-US"/>
               <a:t>Fourth level</a:t>
             </a:r>
           </a:p>
           <a:p>
             <a:pPr lvl="4"/>
             <a:r>
-              <a:rPr lang="en-US" smtClean="0"/>
+              <a:rPr lang="en-US"/>
               <a:t>Fifth level</a:t>
             </a:r>
             <a:endParaRPr lang="en-GB"/>
@@ -2092,7 +2273,7 @@
           <a:p>
             <a:pPr lvl="0"/>
             <a:r>
-              <a:rPr lang="en-US" smtClean="0"/>
+              <a:rPr lang="en-US"/>
               <a:t>Edit Master text styles</a:t>
             </a:r>
           </a:p>
@@ -2115,7 +2296,7 @@
           <a:p>
             <a:fld id="{11F330F3-FCA5-4861-8B1F-83A2381A703A}" type="datetimeFigureOut">
               <a:rPr lang="en-GB" smtClean="0"/>
-              <a:t>07/10/2019</a:t>
+              <a:t>08/09/2020</a:t>
             </a:fld>
             <a:endParaRPr lang="en-GB"/>
           </a:p>
@@ -2218,7 +2399,7 @@
           </a:lstStyle>
           <a:p>
             <a:r>
-              <a:rPr lang="en-US" smtClean="0"/>
+              <a:rPr lang="en-US"/>
               <a:t>Click to edit Master title style</a:t>
             </a:r>
             <a:endParaRPr lang="en-GB"/>
@@ -2345,7 +2526,7 @@
           <a:p>
             <a:pPr lvl="0"/>
             <a:r>
-              <a:rPr lang="en-US" smtClean="0"/>
+              <a:rPr lang="en-US"/>
               <a:t>Edit Master text styles</a:t>
             </a:r>
           </a:p>
@@ -2368,7 +2549,7 @@
           <a:p>
             <a:fld id="{11F330F3-FCA5-4861-8B1F-83A2381A703A}" type="datetimeFigureOut">
               <a:rPr lang="en-GB" smtClean="0"/>
-              <a:t>07/10/2019</a:t>
+              <a:t>08/09/2020</a:t>
             </a:fld>
             <a:endParaRPr lang="en-GB"/>
           </a:p>
@@ -2477,7 +2658,7 @@
           <a:lstStyle/>
           <a:p>
             <a:r>
-              <a:rPr lang="en-US" smtClean="0"/>
+              <a:rPr lang="en-US"/>
               <a:t>Click to edit Master title style</a:t>
             </a:r>
             <a:endParaRPr lang="en-GB"/>
@@ -2511,35 +2692,35 @@
           <a:p>
             <a:pPr lvl="0"/>
             <a:r>
-              <a:rPr lang="en-US" smtClean="0"/>
+              <a:rPr lang="en-US"/>
               <a:t>Edit Master text styles</a:t>
             </a:r>
           </a:p>
           <a:p>
             <a:pPr lvl="1"/>
             <a:r>
-              <a:rPr lang="en-US" smtClean="0"/>
+              <a:rPr lang="en-US"/>
               <a:t>Second level</a:t>
             </a:r>
           </a:p>
           <a:p>
             <a:pPr lvl="2"/>
             <a:r>
-              <a:rPr lang="en-US" smtClean="0"/>
+              <a:rPr lang="en-US"/>
               <a:t>Third level</a:t>
             </a:r>
           </a:p>
           <a:p>
             <a:pPr lvl="3"/>
             <a:r>
-              <a:rPr lang="en-US" smtClean="0"/>
+              <a:rPr lang="en-US"/>
               <a:t>Fourth level</a:t>
             </a:r>
           </a:p>
           <a:p>
             <a:pPr lvl="4"/>
             <a:r>
-              <a:rPr lang="en-US" smtClean="0"/>
+              <a:rPr lang="en-US"/>
               <a:t>Fifth level</a:t>
             </a:r>
             <a:endParaRPr lang="en-GB"/>
@@ -2581,7 +2762,7 @@
           <a:p>
             <a:fld id="{11F330F3-FCA5-4861-8B1F-83A2381A703A}" type="datetimeFigureOut">
               <a:rPr lang="en-GB" smtClean="0"/>
-              <a:t>07/10/2019</a:t>
+              <a:t>08/09/2020</a:t>
             </a:fld>
             <a:endParaRPr lang="en-GB"/>
           </a:p>
@@ -2685,6 +2866,7 @@
     <p:sldLayoutId id="2147483657" r:id="rId9"/>
     <p:sldLayoutId id="2147483658" r:id="rId10"/>
     <p:sldLayoutId id="2147483659" r:id="rId11"/>
+    <p:sldLayoutId id="2147483660" r:id="rId12"/>
   </p:sldLayoutIdLst>
   <p:txStyles>
     <p:titleStyle>
@@ -3042,14 +3224,14 @@
       </p:pic>
       <p:sp>
         <p:nvSpPr>
-          <p:cNvPr id="3" name="TextBox 2"/>
+          <p:cNvPr id="4" name="TextBox 3"/>
           <p:cNvSpPr txBox="1"/>
           <p:nvPr/>
         </p:nvSpPr>
         <p:spPr>
           <a:xfrm>
-            <a:off x="9309102" y="182880"/>
-            <a:ext cx="2717795" cy="369332"/>
+            <a:off x="7971702" y="306847"/>
+            <a:ext cx="4099584" cy="646331"/>
           </a:xfrm>
           <a:prstGeom prst="rect">
             <a:avLst/>
@@ -3066,53 +3248,9 @@
               <a:rPr lang="en-GB" dirty="0">
                 <a:hlinkClick r:id="rId3"/>
               </a:rPr>
-              <a:t>https://</a:t>
-            </a:r>
-            <a:r>
-              <a:rPr lang="en-GB" dirty="0" smtClean="0">
-                <a:hlinkClick r:id="rId3"/>
-              </a:rPr>
-              <a:t>we.tl/t-ZIDiSgqNDB</a:t>
+              <a:t>https://github.com/ices-eg/FBIT/tree/dev</a:t>
             </a:r>
             <a:endParaRPr lang="en-GB" dirty="0"/>
-          </a:p>
-        </p:txBody>
-      </p:sp>
-      <p:sp>
-        <p:nvSpPr>
-          <p:cNvPr id="4" name="TextBox 3"/>
-          <p:cNvSpPr txBox="1"/>
-          <p:nvPr/>
-        </p:nvSpPr>
-        <p:spPr>
-          <a:xfrm>
-            <a:off x="7927313" y="712095"/>
-            <a:ext cx="4099584" cy="646331"/>
-          </a:xfrm>
-          <a:prstGeom prst="rect">
-            <a:avLst/>
-          </a:prstGeom>
-          <a:noFill/>
-        </p:spPr>
-        <p:txBody>
-          <a:bodyPr wrap="none" rtlCol="0">
-            <a:spAutoFit/>
-          </a:bodyPr>
-          <a:lstStyle/>
-          <a:p>
-            <a:r>
-              <a:rPr lang="en-GB" dirty="0">
-                <a:hlinkClick r:id="rId4"/>
-              </a:rPr>
-              <a:t>https://</a:t>
-            </a:r>
-            <a:r>
-              <a:rPr lang="en-GB" dirty="0" smtClean="0">
-                <a:hlinkClick r:id="rId4"/>
-              </a:rPr>
-              <a:t>github.com/ices-eg/FBIT/tree/dev</a:t>
-            </a:r>
-            <a:endParaRPr lang="en-GB" dirty="0" smtClean="0"/>
           </a:p>
           <a:p>
             <a:endParaRPr lang="en-GB" dirty="0"/>
@@ -3129,13 +3267,6 @@
   <p:clrMapOvr>
     <a:masterClrMapping/>
   </p:clrMapOvr>
-  <p:timing>
-    <p:tnLst>
-      <p:par>
-        <p:cTn id="1" dur="indefinite" restart="never" nodeType="tmRoot"/>
-      </p:par>
-    </p:tnLst>
-  </p:timing>
 </p:sld>
 </file>
 
@@ -3204,11 +3335,7 @@
           <a:p>
             <a:r>
               <a:rPr lang="en-GB" sz="3200" dirty="0"/>
-              <a:t>Step 2: </a:t>
-            </a:r>
-            <a:r>
-              <a:rPr lang="en-GB" sz="3200" dirty="0" smtClean="0"/>
-              <a:t>From categorical to continuous distribution</a:t>
+              <a:t>Step 2: From categorical to continuous distribution</a:t>
             </a:r>
             <a:endParaRPr lang="en-GB" sz="3200" dirty="0">
               <a:solidFill>
@@ -3287,18 +3414,13 @@
           <a:lstStyle/>
           <a:p>
             <a:r>
-              <a:rPr lang="en-GB" dirty="0" smtClean="0">
+              <a:rPr lang="en-GB" dirty="0">
                 <a:solidFill>
                   <a:srgbClr val="FF0000"/>
                 </a:solidFill>
               </a:rPr>
               <a:t>Example station A</a:t>
             </a:r>
-            <a:endParaRPr lang="en-GB" dirty="0">
-              <a:solidFill>
-                <a:srgbClr val="FF0000"/>
-              </a:solidFill>
-            </a:endParaRPr>
           </a:p>
         </p:txBody>
       </p:sp>
@@ -3325,18 +3447,13 @@
           <a:lstStyle/>
           <a:p>
             <a:r>
-              <a:rPr lang="en-GB" dirty="0" smtClean="0">
+              <a:rPr lang="en-GB" dirty="0">
                 <a:solidFill>
                   <a:srgbClr val="0000FF"/>
                 </a:solidFill>
               </a:rPr>
               <a:t>Example station B</a:t>
             </a:r>
-            <a:endParaRPr lang="en-GB" dirty="0">
-              <a:solidFill>
-                <a:srgbClr val="0000FF"/>
-              </a:solidFill>
-            </a:endParaRPr>
           </a:p>
         </p:txBody>
       </p:sp>
@@ -3409,18 +3526,9 @@
           <a:p>
             <a:pPr algn="ctr"/>
             <a:r>
-              <a:rPr lang="en-GB" dirty="0" smtClean="0"/>
-              <a:t>Fit </a:t>
-            </a:r>
-            <a:r>
               <a:rPr lang="en-GB" dirty="0"/>
-              <a:t>a statistical model to predict variation in </a:t>
-            </a:r>
-            <a:r>
-              <a:rPr lang="en-GB" dirty="0" smtClean="0"/>
-              <a:t>longevity as a function of the environment</a:t>
-            </a:r>
-            <a:endParaRPr lang="en-GB" dirty="0"/>
+              <a:t>Fit a statistical model to predict variation in longevity as a function of the environment</a:t>
+            </a:r>
           </a:p>
         </p:txBody>
       </p:sp>
@@ -3600,10 +3708,9 @@
           <a:lstStyle/>
           <a:p>
             <a:r>
-              <a:rPr lang="en-GB" sz="2800" dirty="0" smtClean="0"/>
+              <a:rPr lang="en-GB" sz="2800" dirty="0"/>
               <a:t>Statistical model</a:t>
             </a:r>
-            <a:endParaRPr lang="en-GB" sz="2800" dirty="0"/>
           </a:p>
         </p:txBody>
       </p:sp>
@@ -3635,89 +3742,23 @@
               </a:lnSpc>
             </a:pPr>
             <a:r>
-              <a:rPr lang="en-US" sz="2000" dirty="0" smtClean="0">
-                <a:latin typeface="+mj-lt"/>
-              </a:rPr>
-              <a:t>We assume that </a:t>
-            </a:r>
-            <a:r>
               <a:rPr lang="en-US" sz="2000" dirty="0">
                 <a:latin typeface="+mj-lt"/>
               </a:rPr>
-              <a:t>the biomass proportion </a:t>
-            </a:r>
-            <a:r>
-              <a:rPr lang="en-US" sz="2000" dirty="0" smtClean="0">
-                <a:latin typeface="+mj-lt"/>
-              </a:rPr>
-              <a:t>at each station </a:t>
-            </a:r>
-            <a:r>
-              <a:rPr lang="en-US" sz="2000" dirty="0">
-                <a:latin typeface="+mj-lt"/>
-              </a:rPr>
-              <a:t>is a sigmoidal (logistic) function </a:t>
-            </a:r>
-            <a:r>
-              <a:rPr lang="en-US" sz="2000" dirty="0" smtClean="0">
-                <a:latin typeface="+mj-lt"/>
-              </a:rPr>
-              <a:t>of </a:t>
-            </a:r>
-            <a:r>
-              <a:rPr lang="en-US" sz="2000" dirty="0">
-                <a:latin typeface="+mj-lt"/>
-              </a:rPr>
-              <a:t>longevity </a:t>
-            </a:r>
-            <a:r>
-              <a:rPr lang="en-US" sz="2000" dirty="0" smtClean="0">
-                <a:latin typeface="+mj-lt"/>
-              </a:rPr>
-              <a:t>(</a:t>
-            </a:r>
-            <a:r>
-              <a:rPr lang="en-US" sz="2000" dirty="0">
-                <a:latin typeface="+mj-lt"/>
-              </a:rPr>
-              <a:t>Fig. 3</a:t>
-            </a:r>
-            <a:r>
-              <a:rPr lang="en-US" sz="2000" dirty="0" smtClean="0">
-                <a:latin typeface="+mj-lt"/>
-              </a:rPr>
-              <a:t>), which </a:t>
-            </a:r>
-            <a:r>
-              <a:rPr lang="en-US" sz="2000" dirty="0">
-                <a:latin typeface="+mj-lt"/>
-              </a:rPr>
-              <a:t>starts at 0 and approaches 1 </a:t>
-            </a:r>
-            <a:r>
-              <a:rPr lang="en-US" sz="2000" dirty="0" smtClean="0">
-                <a:latin typeface="+mj-lt"/>
-              </a:rPr>
-              <a:t>when longevity becomes </a:t>
-            </a:r>
-            <a:r>
-              <a:rPr lang="en-US" sz="2000" dirty="0">
-                <a:latin typeface="+mj-lt"/>
-              </a:rPr>
-              <a:t>large</a:t>
-            </a:r>
-            <a:endParaRPr lang="en-GB" sz="2000" dirty="0" smtClean="0">
-              <a:latin typeface="+mj-lt"/>
-            </a:endParaRPr>
-          </a:p>
-          <a:p>
+              <a:t>We assume that the biomass proportion at each station is a sigmoidal (logistic) function of longevity (Fig. 3), which starts at 0 and approaches 1 when longevity becomes large</a:t>
+            </a:r>
             <a:endParaRPr lang="en-GB" sz="2000" dirty="0">
               <a:latin typeface="+mj-lt"/>
             </a:endParaRPr>
           </a:p>
           <a:p>
-            <a:r>
-              <a:rPr lang="en-GB" sz="2000" dirty="0" smtClean="0">
+            <a:endParaRPr lang="en-GB" sz="2000" dirty="0">
+              <a:latin typeface="+mj-lt"/>
+            </a:endParaRPr>
+          </a:p>
+          <a:p>
+            <a:r>
+              <a:rPr lang="en-GB" sz="2000" dirty="0">
                 <a:latin typeface="+mj-lt"/>
               </a:rPr>
               <a:t>Model specifications: </a:t>
@@ -3738,60 +3779,30 @@
               <a:rPr lang="en-GB" sz="2000" dirty="0">
                 <a:latin typeface="+mj-lt"/>
               </a:rPr>
-              <a:t>Mixed model </a:t>
-            </a:r>
-            <a:r>
-              <a:rPr lang="en-GB" sz="2000" dirty="0" smtClean="0">
-                <a:latin typeface="+mj-lt"/>
-              </a:rPr>
-              <a:t>with binomial </a:t>
-            </a:r>
+              <a:t>Mixed model with binomial distribution</a:t>
+            </a:r>
+          </a:p>
+          <a:p>
+            <a:pPr lvl="1"/>
             <a:r>
               <a:rPr lang="en-GB" sz="2000" dirty="0">
                 <a:latin typeface="+mj-lt"/>
               </a:rPr>
-              <a:t>distribution</a:t>
-            </a:r>
-          </a:p>
-          <a:p>
-            <a:pPr lvl="1"/>
-            <a:r>
-              <a:rPr lang="en-GB" sz="2000" dirty="0" smtClean="0">
-                <a:latin typeface="+mj-lt"/>
-              </a:rPr>
-              <a:t>Mixed </a:t>
-            </a:r>
+              <a:t>Mixed model with sampling station as random variable (normal distribution)</a:t>
+            </a:r>
+          </a:p>
+          <a:p>
+            <a:endParaRPr lang="en-GB" sz="2000" dirty="0">
+              <a:latin typeface="+mj-lt"/>
+            </a:endParaRPr>
+          </a:p>
+          <a:p>
             <a:r>
               <a:rPr lang="en-GB" sz="2000" dirty="0">
                 <a:latin typeface="+mj-lt"/>
               </a:rPr>
-              <a:t>model with sampling station as random </a:t>
-            </a:r>
-            <a:r>
-              <a:rPr lang="en-GB" sz="2000" dirty="0" smtClean="0">
-                <a:latin typeface="+mj-lt"/>
-              </a:rPr>
-              <a:t>variable (normal distribution)</a:t>
-            </a:r>
-            <a:endParaRPr lang="en-GB" sz="2000" dirty="0">
-              <a:latin typeface="+mj-lt"/>
-            </a:endParaRPr>
-          </a:p>
-          <a:p>
-            <a:endParaRPr lang="en-GB" sz="2000" dirty="0">
-              <a:latin typeface="+mj-lt"/>
-            </a:endParaRPr>
-          </a:p>
-          <a:p>
-            <a:r>
-              <a:rPr lang="en-GB" sz="2000" dirty="0" smtClean="0">
-                <a:latin typeface="+mj-lt"/>
-              </a:rPr>
               <a:t>Purpose is to predict (extrapolate) longevity for each grid cell</a:t>
             </a:r>
-            <a:endParaRPr lang="en-GB" sz="2000" dirty="0">
-              <a:latin typeface="+mj-lt"/>
-            </a:endParaRPr>
           </a:p>
         </p:txBody>
       </p:sp>
@@ -3829,13 +3840,6 @@
   <p:clrMapOvr>
     <a:masterClrMapping/>
   </p:clrMapOvr>
-  <p:timing>
-    <p:tnLst>
-      <p:par>
-        <p:cTn id="1" dur="indefinite" restart="never" nodeType="tmRoot"/>
-      </p:par>
-    </p:tnLst>
-  </p:timing>
 </p:sld>
 </file>
 
@@ -3941,26 +3945,22 @@
           <a:lstStyle/>
           <a:p>
             <a:r>
-              <a:rPr lang="en-US" u="sng" dirty="0" smtClean="0"/>
-              <a:t>Step </a:t>
-            </a:r>
-            <a:r>
               <a:rPr lang="en-US" u="sng" dirty="0"/>
-              <a:t>2 Estimating longevity benthic data</a:t>
-            </a:r>
-            <a:r>
-              <a:rPr lang="en-GB" u="sng" dirty="0" smtClean="0"/>
+              <a:t>Step 2 Estimating longevity benthic data</a:t>
+            </a:r>
+            <a:r>
+              <a:rPr lang="en-GB" u="sng" dirty="0"/>
               <a:t>.R</a:t>
             </a:r>
             <a:r>
-              <a:rPr lang="en-GB" dirty="0" smtClean="0"/>
+              <a:rPr lang="en-GB" dirty="0"/>
               <a:t>  in the folder: </a:t>
             </a:r>
             <a:r>
               <a:rPr lang="en-US" dirty="0"/>
               <a:t>Step 2 Estimate relationships benthic data</a:t>
             </a:r>
-            <a:endParaRPr lang="en-GB" dirty="0" smtClean="0"/>
+            <a:endParaRPr lang="en-GB" dirty="0"/>
           </a:p>
         </p:txBody>
       </p:sp>
@@ -3974,13 +3974,6 @@
   <p:clrMapOvr>
     <a:masterClrMapping/>
   </p:clrMapOvr>
-  <p:timing>
-    <p:tnLst>
-      <p:par>
-        <p:cTn id="1" dur="indefinite" restart="never" nodeType="tmRoot"/>
-      </p:par>
-    </p:tnLst>
-  </p:timing>
 </p:sld>
 </file>
 
@@ -4041,14 +4034,14 @@
           <a:lstStyle/>
           <a:p>
             <a:r>
-              <a:rPr lang="en-GB" dirty="0" smtClean="0"/>
+              <a:rPr lang="en-GB" dirty="0"/>
               <a:t>Requirements:</a:t>
             </a:r>
           </a:p>
           <a:p>
             <a:pPr lvl="1"/>
             <a:r>
-              <a:rPr lang="en-GB" dirty="0" smtClean="0"/>
+              <a:rPr lang="en-GB" dirty="0"/>
               <a:t>Success in step 1 and 2</a:t>
             </a:r>
           </a:p>
@@ -4093,13 +4086,6 @@
   <p:clrMapOvr>
     <a:masterClrMapping/>
   </p:clrMapOvr>
-  <p:timing>
-    <p:tnLst>
-      <p:par>
-        <p:cTn id="1" dur="indefinite" restart="never" nodeType="tmRoot"/>
-      </p:par>
-    </p:tnLst>
-  </p:timing>
 </p:sld>
 </file>
 
@@ -4138,18 +4124,9 @@
           <a:lstStyle/>
           <a:p>
             <a:r>
-              <a:rPr lang="en-GB" sz="3200" dirty="0" smtClean="0"/>
-              <a:t>Step 3. Predict </a:t>
-            </a:r>
-            <a:r>
               <a:rPr lang="en-GB" sz="3200" dirty="0"/>
-              <a:t>sensitivity (=longevity distribution) at large spatial </a:t>
-            </a:r>
-            <a:r>
-              <a:rPr lang="en-GB" sz="3200" dirty="0" smtClean="0"/>
-              <a:t>scales</a:t>
-            </a:r>
-            <a:endParaRPr lang="en-GB" sz="3200" dirty="0"/>
+              <a:t>Step 3. Predict sensitivity (=longevity distribution) at large spatial scales</a:t>
+            </a:r>
           </a:p>
         </p:txBody>
       </p:sp>
@@ -4254,16 +4231,15 @@
           <a:lstStyle/>
           <a:p>
             <a:r>
-              <a:rPr lang="en-GB" dirty="0" smtClean="0"/>
+              <a:rPr lang="en-GB" dirty="0"/>
               <a:t>Similar environmental </a:t>
             </a:r>
           </a:p>
           <a:p>
             <a:r>
-              <a:rPr lang="en-GB" dirty="0" smtClean="0"/>
+              <a:rPr lang="en-GB" dirty="0"/>
               <a:t>conditions</a:t>
             </a:r>
-            <a:endParaRPr lang="en-GB" dirty="0"/>
           </a:p>
         </p:txBody>
       </p:sp>
@@ -4887,16 +4863,15 @@
           <a:lstStyle/>
           <a:p>
             <a:r>
-              <a:rPr lang="en-GB" dirty="0" smtClean="0"/>
+              <a:rPr lang="en-GB" dirty="0"/>
               <a:t>Similar environmental </a:t>
             </a:r>
           </a:p>
           <a:p>
             <a:r>
-              <a:rPr lang="en-GB" dirty="0" smtClean="0"/>
+              <a:rPr lang="en-GB" dirty="0"/>
               <a:t>conditions</a:t>
             </a:r>
-            <a:endParaRPr lang="en-GB" dirty="0"/>
           </a:p>
         </p:txBody>
       </p:sp>
@@ -5584,22 +5559,22 @@
               <a:t>Step 3 Estimating </a:t>
             </a:r>
             <a:r>
-              <a:rPr lang="en-US" u="sng" dirty="0" err="1" smtClean="0"/>
+              <a:rPr lang="en-US" u="sng" dirty="0" err="1"/>
               <a:t>sensitivity.R</a:t>
             </a:r>
             <a:r>
-              <a:rPr lang="en-US" dirty="0" smtClean="0"/>
+              <a:rPr lang="en-US" dirty="0"/>
               <a:t> </a:t>
             </a:r>
             <a:r>
-              <a:rPr lang="en-GB" dirty="0" smtClean="0"/>
+              <a:rPr lang="en-GB" dirty="0"/>
               <a:t>in the folder: </a:t>
             </a:r>
             <a:r>
               <a:rPr lang="en-US" dirty="0"/>
               <a:t>Step 3 Predict sensitivity</a:t>
             </a:r>
-            <a:endParaRPr lang="en-GB" dirty="0" smtClean="0"/>
+            <a:endParaRPr lang="en-GB" dirty="0"/>
           </a:p>
         </p:txBody>
       </p:sp>
@@ -5613,13 +5588,6 @@
   <p:clrMapOvr>
     <a:masterClrMapping/>
   </p:clrMapOvr>
-  <p:timing>
-    <p:tnLst>
-      <p:par>
-        <p:cTn id="1" dur="indefinite" restart="never" nodeType="tmRoot"/>
-      </p:par>
-    </p:tnLst>
-  </p:timing>
 </p:sld>
 </file>
 
@@ -5658,16 +5626,8 @@
           <a:lstStyle/>
           <a:p>
             <a:r>
-              <a:rPr lang="en-GB" sz="3200" dirty="0" smtClean="0"/>
-              <a:t>Step 4. Estimate </a:t>
-            </a:r>
-            <a:r>
               <a:rPr lang="en-GB" sz="3200" dirty="0"/>
-              <a:t>seabed state for the whole region and per MSFD habitat </a:t>
-            </a:r>
-            <a:r>
-              <a:rPr lang="en-GB" sz="3200" dirty="0" smtClean="0"/>
-              <a:t>type</a:t>
+              <a:t>Step 4. Estimate seabed state for the whole region and per MSFD habitat type</a:t>
             </a:r>
             <a:endParaRPr lang="en-GB" sz="4000" dirty="0"/>
           </a:p>
@@ -5694,15 +5654,15 @@
           <a:lstStyle/>
           <a:p>
             <a:r>
-              <a:rPr lang="en-GB" dirty="0" smtClean="0"/>
+              <a:rPr lang="en-GB" dirty="0"/>
               <a:t>Requirements:</a:t>
             </a:r>
           </a:p>
           <a:p>
             <a:pPr lvl="1"/>
             <a:r>
-              <a:rPr lang="en-GB" dirty="0" smtClean="0"/>
-              <a:t>Bottom trawl fishing intensities (ICES WGSFD) (for now taken from an ICES product to OSPAR/HELCOM)</a:t>
+              <a:rPr lang="en-GB" dirty="0"/>
+              <a:t>Bottom trawl fishing intensities (ICES WGSFD) (for now random data)</a:t>
             </a:r>
           </a:p>
           <a:p>
@@ -5711,7 +5671,7 @@
           </a:p>
           <a:p>
             <a:r>
-              <a:rPr lang="en-GB" dirty="0" smtClean="0"/>
+              <a:rPr lang="en-GB" dirty="0"/>
               <a:t>Parameterization:</a:t>
             </a:r>
           </a:p>
@@ -5719,28 +5679,18 @@
             <a:pPr lvl="1"/>
             <a:r>
               <a:rPr lang="en-GB" dirty="0"/>
-              <a:t>Recovery rate is longevity </a:t>
-            </a:r>
-            <a:r>
-              <a:rPr lang="en-GB" dirty="0" smtClean="0"/>
-              <a:t>dependent (Hiddink et al. 2017)</a:t>
-            </a:r>
+              <a:t>Recovery rate is longevity dependent (Hiddink et al. 2017)</a:t>
+            </a:r>
+          </a:p>
+          <a:p>
+            <a:pPr lvl="1"/>
+            <a:r>
+              <a:rPr lang="en-GB" dirty="0"/>
+              <a:t>Depletion rate is gear-dependent (OT, TBB, TD) (Hiddink et al. 2016)</a:t>
+            </a:r>
+          </a:p>
+          <a:p>
             <a:endParaRPr lang="en-GB" dirty="0"/>
-          </a:p>
-          <a:p>
-            <a:pPr lvl="1"/>
-            <a:r>
-              <a:rPr lang="en-GB" dirty="0"/>
-              <a:t>Depletion rate is gear-dependent (OT, TBB, TD</a:t>
-            </a:r>
-            <a:r>
-              <a:rPr lang="en-GB" dirty="0" smtClean="0"/>
-              <a:t>) (Hiddink et al. 2016)</a:t>
-            </a:r>
-            <a:endParaRPr lang="en-GB" dirty="0"/>
-          </a:p>
-          <a:p>
-            <a:endParaRPr lang="en-GB" dirty="0" smtClean="0"/>
           </a:p>
         </p:txBody>
       </p:sp>
@@ -5754,13 +5704,6 @@
   <p:clrMapOvr>
     <a:masterClrMapping/>
   </p:clrMapOvr>
-  <p:timing>
-    <p:tnLst>
-      <p:par>
-        <p:cTn id="1" dur="indefinite" restart="never" nodeType="tmRoot"/>
-      </p:par>
-    </p:tnLst>
-  </p:timing>
 </p:sld>
 </file>
 
@@ -5781,131 +5724,410 @@
           <a:chExt cx="0" cy="0"/>
         </a:xfrm>
       </p:grpSpPr>
-      <p:sp>
-        <p:nvSpPr>
-          <p:cNvPr id="2" name="Title 1"/>
-          <p:cNvSpPr>
-            <a:spLocks noGrp="1"/>
-          </p:cNvSpPr>
-          <p:nvPr>
-            <p:ph type="title"/>
-          </p:nvPr>
-        </p:nvSpPr>
-        <p:spPr/>
-        <p:txBody>
-          <a:bodyPr/>
-          <a:lstStyle/>
-          <a:p>
-            <a:endParaRPr lang="en-GB" dirty="0"/>
-          </a:p>
-        </p:txBody>
-      </p:sp>
-      <p:sp>
-        <p:nvSpPr>
-          <p:cNvPr id="3" name="Content Placeholder 2"/>
-          <p:cNvSpPr>
-            <a:spLocks noGrp="1"/>
-          </p:cNvSpPr>
-          <p:nvPr>
-            <p:ph idx="1"/>
-          </p:nvPr>
-        </p:nvSpPr>
-        <p:spPr/>
-        <p:txBody>
-          <a:bodyPr/>
-          <a:lstStyle/>
-          <a:p>
-            <a:endParaRPr lang="en-GB" dirty="0"/>
-          </a:p>
-        </p:txBody>
-      </p:sp>
       <p:pic>
         <p:nvPicPr>
-          <p:cNvPr id="5" name="Picture 4"/>
+          <p:cNvPr id="6" name="Picture 2">
+            <a:extLst>
+              <a:ext uri="{FF2B5EF4-FFF2-40B4-BE49-F238E27FC236}">
+                <a16:creationId xmlns:a16="http://schemas.microsoft.com/office/drawing/2014/main" id="{9D794350-E801-4070-8FBE-FDC1DB9D15B4}"/>
+              </a:ext>
+            </a:extLst>
+          </p:cNvPr>
+          <p:cNvPicPr>
+            <a:picLocks noChangeAspect="1" noChangeArrowheads="1"/>
+          </p:cNvPicPr>
+          <p:nvPr/>
+        </p:nvPicPr>
+        <p:blipFill>
+          <a:blip r:embed="rId2" cstate="print">
+            <a:extLst>
+              <a:ext uri="{28A0092B-C50C-407E-A947-70E740481C1C}">
+                <a14:useLocalDpi xmlns:a14="http://schemas.microsoft.com/office/drawing/2010/main" val="0"/>
+              </a:ext>
+            </a:extLst>
+          </a:blip>
+          <a:srcRect/>
+          <a:stretch>
+            <a:fillRect/>
+          </a:stretch>
+        </p:blipFill>
+        <p:spPr bwMode="auto">
+          <a:xfrm>
+            <a:off x="6532880" y="2119301"/>
+            <a:ext cx="5410710" cy="4640452"/>
+          </a:xfrm>
+          <a:prstGeom prst="rect">
+            <a:avLst/>
+          </a:prstGeom>
+          <a:noFill/>
+          <a:ln>
+            <a:noFill/>
+          </a:ln>
+          <a:extLst>
+            <a:ext uri="{909E8E84-426E-40DD-AFC4-6F175D3DCCD1}">
+              <a14:hiddenFill xmlns:a14="http://schemas.microsoft.com/office/drawing/2010/main">
+                <a:solidFill>
+                  <a:schemeClr val="accent1"/>
+                </a:solidFill>
+              </a14:hiddenFill>
+            </a:ext>
+            <a:ext uri="{91240B29-F687-4F45-9708-019B960494DF}">
+              <a14:hiddenLine xmlns:a14="http://schemas.microsoft.com/office/drawing/2010/main" w="9525">
+                <a:solidFill>
+                  <a:schemeClr val="tx1"/>
+                </a:solidFill>
+                <a:miter lim="800000"/>
+                <a:headEnd/>
+                <a:tailEnd/>
+              </a14:hiddenLine>
+            </a:ext>
+          </a:extLst>
+        </p:spPr>
+      </p:pic>
+      <p:sp>
+        <p:nvSpPr>
+          <p:cNvPr id="2" name="Title 1">
+            <a:extLst>
+              <a:ext uri="{FF2B5EF4-FFF2-40B4-BE49-F238E27FC236}">
+                <a16:creationId xmlns:a16="http://schemas.microsoft.com/office/drawing/2014/main" id="{F396E20F-96DD-4D87-B858-08DCF6C7A5A0}"/>
+              </a:ext>
+            </a:extLst>
+          </p:cNvPr>
+          <p:cNvSpPr>
+            <a:spLocks noGrp="1"/>
+          </p:cNvSpPr>
+          <p:nvPr>
+            <p:ph type="title"/>
+          </p:nvPr>
+        </p:nvSpPr>
+        <p:spPr/>
+        <p:txBody>
+          <a:bodyPr>
+            <a:normAutofit/>
+          </a:bodyPr>
+          <a:lstStyle/>
+          <a:p>
+            <a:r>
+              <a:rPr lang="en-GB" sz="3200" dirty="0"/>
+              <a:t>Step 4. Estimate seabed state for the whole region and per MSFD habitat type</a:t>
+            </a:r>
+            <a:endParaRPr lang="en-US" sz="3200" dirty="0"/>
+          </a:p>
+        </p:txBody>
+      </p:sp>
+      <p:sp>
+        <p:nvSpPr>
+          <p:cNvPr id="3" name="Content Placeholder 2">
+            <a:extLst>
+              <a:ext uri="{FF2B5EF4-FFF2-40B4-BE49-F238E27FC236}">
+                <a16:creationId xmlns:a16="http://schemas.microsoft.com/office/drawing/2014/main" id="{9D1A51C4-C62D-4045-BFD0-7AD249CF2950}"/>
+              </a:ext>
+            </a:extLst>
+          </p:cNvPr>
+          <p:cNvSpPr>
+            <a:spLocks noGrp="1"/>
+          </p:cNvSpPr>
+          <p:nvPr>
+            <p:ph idx="1"/>
+          </p:nvPr>
+        </p:nvSpPr>
+        <p:spPr>
+          <a:xfrm>
+            <a:off x="1005840" y="1690688"/>
+            <a:ext cx="4556760" cy="4351338"/>
+          </a:xfrm>
+        </p:spPr>
+        <p:txBody>
+          <a:bodyPr>
+            <a:normAutofit/>
+          </a:bodyPr>
+          <a:lstStyle/>
+          <a:p>
+            <a:r>
+              <a:rPr lang="da-DK" sz="2400" dirty="0" err="1"/>
+              <a:t>Depletion</a:t>
+            </a:r>
+            <a:r>
+              <a:rPr lang="da-DK" sz="2400" dirty="0"/>
+              <a:t> rate is gear dependent (Hiddink et al. 2016)</a:t>
+            </a:r>
+          </a:p>
+          <a:p>
+            <a:pPr marL="0" indent="0">
+              <a:buNone/>
+            </a:pPr>
+            <a:endParaRPr lang="en-US" sz="2400" dirty="0"/>
+          </a:p>
+        </p:txBody>
+      </p:sp>
+      <p:sp>
+        <p:nvSpPr>
+          <p:cNvPr id="4" name="Content Placeholder 2">
+            <a:extLst>
+              <a:ext uri="{FF2B5EF4-FFF2-40B4-BE49-F238E27FC236}">
+                <a16:creationId xmlns:a16="http://schemas.microsoft.com/office/drawing/2014/main" id="{CD10A807-E7F5-4E52-AEEC-C45F5512CD2C}"/>
+              </a:ext>
+            </a:extLst>
+          </p:cNvPr>
+          <p:cNvSpPr txBox="1">
+            <a:spLocks/>
+          </p:cNvSpPr>
+          <p:nvPr/>
+        </p:nvSpPr>
+        <p:spPr>
+          <a:xfrm>
+            <a:off x="6532880" y="1541145"/>
+            <a:ext cx="5410710" cy="4351338"/>
+          </a:xfrm>
+          <a:prstGeom prst="rect">
+            <a:avLst/>
+          </a:prstGeom>
+        </p:spPr>
+        <p:txBody>
+          <a:bodyPr vert="horz" lIns="91440" tIns="45720" rIns="91440" bIns="45720" rtlCol="0">
+            <a:normAutofit/>
+          </a:bodyPr>
+          <a:lstStyle>
+            <a:lvl1pPr marL="228600" indent="-228600" algn="l" defTabSz="914400" rtl="0" eaLnBrk="1" latinLnBrk="0" hangingPunct="1">
+              <a:lnSpc>
+                <a:spcPct val="90000"/>
+              </a:lnSpc>
+              <a:spcBef>
+                <a:spcPts val="1000"/>
+              </a:spcBef>
+              <a:buFont typeface="Arial" panose="020B0604020202020204" pitchFamily="34" charset="0"/>
+              <a:buChar char="•"/>
+              <a:defRPr sz="2800" kern="1200">
+                <a:solidFill>
+                  <a:schemeClr val="tx1"/>
+                </a:solidFill>
+                <a:latin typeface="+mn-lt"/>
+                <a:ea typeface="+mn-ea"/>
+                <a:cs typeface="+mn-cs"/>
+              </a:defRPr>
+            </a:lvl1pPr>
+            <a:lvl2pPr marL="685800" indent="-228600" algn="l" defTabSz="914400" rtl="0" eaLnBrk="1" latinLnBrk="0" hangingPunct="1">
+              <a:lnSpc>
+                <a:spcPct val="90000"/>
+              </a:lnSpc>
+              <a:spcBef>
+                <a:spcPts val="500"/>
+              </a:spcBef>
+              <a:buFont typeface="Arial" panose="020B0604020202020204" pitchFamily="34" charset="0"/>
+              <a:buChar char="•"/>
+              <a:defRPr sz="2400" kern="1200">
+                <a:solidFill>
+                  <a:schemeClr val="tx1"/>
+                </a:solidFill>
+                <a:latin typeface="+mn-lt"/>
+                <a:ea typeface="+mn-ea"/>
+                <a:cs typeface="+mn-cs"/>
+              </a:defRPr>
+            </a:lvl2pPr>
+            <a:lvl3pPr marL="1143000" indent="-228600" algn="l" defTabSz="914400" rtl="0" eaLnBrk="1" latinLnBrk="0" hangingPunct="1">
+              <a:lnSpc>
+                <a:spcPct val="90000"/>
+              </a:lnSpc>
+              <a:spcBef>
+                <a:spcPts val="500"/>
+              </a:spcBef>
+              <a:buFont typeface="Arial" panose="020B0604020202020204" pitchFamily="34" charset="0"/>
+              <a:buChar char="•"/>
+              <a:defRPr sz="2000" kern="1200">
+                <a:solidFill>
+                  <a:schemeClr val="tx1"/>
+                </a:solidFill>
+                <a:latin typeface="+mn-lt"/>
+                <a:ea typeface="+mn-ea"/>
+                <a:cs typeface="+mn-cs"/>
+              </a:defRPr>
+            </a:lvl3pPr>
+            <a:lvl4pPr marL="1600200" indent="-228600" algn="l" defTabSz="914400" rtl="0" eaLnBrk="1" latinLnBrk="0" hangingPunct="1">
+              <a:lnSpc>
+                <a:spcPct val="90000"/>
+              </a:lnSpc>
+              <a:spcBef>
+                <a:spcPts val="500"/>
+              </a:spcBef>
+              <a:buFont typeface="Arial" panose="020B0604020202020204" pitchFamily="34" charset="0"/>
+              <a:buChar char="•"/>
+              <a:defRPr sz="1800" kern="1200">
+                <a:solidFill>
+                  <a:schemeClr val="tx1"/>
+                </a:solidFill>
+                <a:latin typeface="+mn-lt"/>
+                <a:ea typeface="+mn-ea"/>
+                <a:cs typeface="+mn-cs"/>
+              </a:defRPr>
+            </a:lvl4pPr>
+            <a:lvl5pPr marL="2057400" indent="-228600" algn="l" defTabSz="914400" rtl="0" eaLnBrk="1" latinLnBrk="0" hangingPunct="1">
+              <a:lnSpc>
+                <a:spcPct val="90000"/>
+              </a:lnSpc>
+              <a:spcBef>
+                <a:spcPts val="500"/>
+              </a:spcBef>
+              <a:buFont typeface="Arial" panose="020B0604020202020204" pitchFamily="34" charset="0"/>
+              <a:buChar char="•"/>
+              <a:defRPr sz="1800" kern="1200">
+                <a:solidFill>
+                  <a:schemeClr val="tx1"/>
+                </a:solidFill>
+                <a:latin typeface="+mn-lt"/>
+                <a:ea typeface="+mn-ea"/>
+                <a:cs typeface="+mn-cs"/>
+              </a:defRPr>
+            </a:lvl5pPr>
+            <a:lvl6pPr marL="2514600" indent="-228600" algn="l" defTabSz="914400" rtl="0" eaLnBrk="1" latinLnBrk="0" hangingPunct="1">
+              <a:lnSpc>
+                <a:spcPct val="90000"/>
+              </a:lnSpc>
+              <a:spcBef>
+                <a:spcPts val="500"/>
+              </a:spcBef>
+              <a:buFont typeface="Arial" panose="020B0604020202020204" pitchFamily="34" charset="0"/>
+              <a:buChar char="•"/>
+              <a:defRPr sz="1800" kern="1200">
+                <a:solidFill>
+                  <a:schemeClr val="tx1"/>
+                </a:solidFill>
+                <a:latin typeface="+mn-lt"/>
+                <a:ea typeface="+mn-ea"/>
+                <a:cs typeface="+mn-cs"/>
+              </a:defRPr>
+            </a:lvl6pPr>
+            <a:lvl7pPr marL="2971800" indent="-228600" algn="l" defTabSz="914400" rtl="0" eaLnBrk="1" latinLnBrk="0" hangingPunct="1">
+              <a:lnSpc>
+                <a:spcPct val="90000"/>
+              </a:lnSpc>
+              <a:spcBef>
+                <a:spcPts val="500"/>
+              </a:spcBef>
+              <a:buFont typeface="Arial" panose="020B0604020202020204" pitchFamily="34" charset="0"/>
+              <a:buChar char="•"/>
+              <a:defRPr sz="1800" kern="1200">
+                <a:solidFill>
+                  <a:schemeClr val="tx1"/>
+                </a:solidFill>
+                <a:latin typeface="+mn-lt"/>
+                <a:ea typeface="+mn-ea"/>
+                <a:cs typeface="+mn-cs"/>
+              </a:defRPr>
+            </a:lvl7pPr>
+            <a:lvl8pPr marL="3429000" indent="-228600" algn="l" defTabSz="914400" rtl="0" eaLnBrk="1" latinLnBrk="0" hangingPunct="1">
+              <a:lnSpc>
+                <a:spcPct val="90000"/>
+              </a:lnSpc>
+              <a:spcBef>
+                <a:spcPts val="500"/>
+              </a:spcBef>
+              <a:buFont typeface="Arial" panose="020B0604020202020204" pitchFamily="34" charset="0"/>
+              <a:buChar char="•"/>
+              <a:defRPr sz="1800" kern="1200">
+                <a:solidFill>
+                  <a:schemeClr val="tx1"/>
+                </a:solidFill>
+                <a:latin typeface="+mn-lt"/>
+                <a:ea typeface="+mn-ea"/>
+                <a:cs typeface="+mn-cs"/>
+              </a:defRPr>
+            </a:lvl8pPr>
+            <a:lvl9pPr marL="3886200" indent="-228600" algn="l" defTabSz="914400" rtl="0" eaLnBrk="1" latinLnBrk="0" hangingPunct="1">
+              <a:lnSpc>
+                <a:spcPct val="90000"/>
+              </a:lnSpc>
+              <a:spcBef>
+                <a:spcPts val="500"/>
+              </a:spcBef>
+              <a:buFont typeface="Arial" panose="020B0604020202020204" pitchFamily="34" charset="0"/>
+              <a:buChar char="•"/>
+              <a:defRPr sz="1800" kern="1200">
+                <a:solidFill>
+                  <a:schemeClr val="tx1"/>
+                </a:solidFill>
+                <a:latin typeface="+mn-lt"/>
+                <a:ea typeface="+mn-ea"/>
+                <a:cs typeface="+mn-cs"/>
+              </a:defRPr>
+            </a:lvl9pPr>
+          </a:lstStyle>
+          <a:p>
+            <a:r>
+              <a:rPr lang="da-DK" sz="2400" dirty="0"/>
+              <a:t>Recovery rate </a:t>
+            </a:r>
+            <a:r>
+              <a:rPr lang="da-DK" sz="2400" dirty="0" err="1"/>
+              <a:t>depends</a:t>
+            </a:r>
+            <a:r>
+              <a:rPr lang="da-DK" sz="2400" dirty="0"/>
+              <a:t> on the </a:t>
+            </a:r>
+            <a:r>
+              <a:rPr lang="da-DK" sz="2400" dirty="0" err="1"/>
+              <a:t>longevity</a:t>
+            </a:r>
+            <a:r>
+              <a:rPr lang="da-DK" sz="2400" dirty="0"/>
+              <a:t> distribution (Hiddink et al. 2017)</a:t>
+            </a:r>
+          </a:p>
+          <a:p>
+            <a:pPr marL="0" indent="0">
+              <a:buFont typeface="Arial" panose="020B0604020202020204" pitchFamily="34" charset="0"/>
+              <a:buNone/>
+            </a:pPr>
+            <a:endParaRPr lang="en-US" dirty="0"/>
+          </a:p>
+        </p:txBody>
+      </p:sp>
+      <p:pic>
+        <p:nvPicPr>
+          <p:cNvPr id="5" name="Picture 4">
+            <a:extLst>
+              <a:ext uri="{FF2B5EF4-FFF2-40B4-BE49-F238E27FC236}">
+                <a16:creationId xmlns:a16="http://schemas.microsoft.com/office/drawing/2014/main" id="{EFF38D8E-B292-470F-8AC5-A8CB3896248F}"/>
+              </a:ext>
+            </a:extLst>
+          </p:cNvPr>
           <p:cNvPicPr>
             <a:picLocks noChangeAspect="1"/>
           </p:cNvPicPr>
           <p:nvPr/>
         </p:nvPicPr>
         <p:blipFill>
-          <a:blip r:embed="rId2"/>
+          <a:blip r:embed="rId3" cstate="print">
+            <a:extLst>
+              <a:ext uri="{28A0092B-C50C-407E-A947-70E740481C1C}">
+                <a14:useLocalDpi xmlns:a14="http://schemas.microsoft.com/office/drawing/2010/main" val="0"/>
+              </a:ext>
+            </a:extLst>
+          </a:blip>
           <a:stretch>
             <a:fillRect/>
           </a:stretch>
         </p:blipFill>
         <p:spPr>
           <a:xfrm>
-            <a:off x="2312048" y="482017"/>
-            <a:ext cx="4152900" cy="3238500"/>
+            <a:off x="1005840" y="2557559"/>
+            <a:ext cx="4034486" cy="4006119"/>
           </a:xfrm>
           <a:prstGeom prst="rect">
             <a:avLst/>
           </a:prstGeom>
         </p:spPr>
       </p:pic>
-      <p:sp>
-        <p:nvSpPr>
-          <p:cNvPr id="6" name="TextBox 5"/>
-          <p:cNvSpPr txBox="1"/>
-          <p:nvPr/>
-        </p:nvSpPr>
-        <p:spPr>
-          <a:xfrm>
-            <a:off x="1115568" y="5678424"/>
-            <a:ext cx="6094745" cy="369332"/>
-          </a:xfrm>
-          <a:prstGeom prst="rect">
-            <a:avLst/>
-          </a:prstGeom>
-          <a:noFill/>
-        </p:spPr>
-        <p:txBody>
-          <a:bodyPr wrap="none" rtlCol="0">
-            <a:spAutoFit/>
-          </a:bodyPr>
-          <a:lstStyle/>
-          <a:p>
-            <a:r>
-              <a:rPr lang="en-US" u="sng" dirty="0"/>
-              <a:t>Step 4 calculate </a:t>
-            </a:r>
-            <a:r>
-              <a:rPr lang="en-US" u="sng" dirty="0" err="1" smtClean="0"/>
-              <a:t>impact.R</a:t>
-            </a:r>
-            <a:r>
-              <a:rPr lang="en-GB" dirty="0"/>
-              <a:t> </a:t>
-            </a:r>
-            <a:r>
-              <a:rPr lang="en-GB" dirty="0" smtClean="0"/>
-              <a:t>in the folder: </a:t>
-            </a:r>
-            <a:r>
-              <a:rPr lang="en-US" dirty="0"/>
-              <a:t>Step 4 Calculate impact</a:t>
-            </a:r>
-            <a:endParaRPr lang="en-GB" dirty="0" smtClean="0"/>
-          </a:p>
-        </p:txBody>
-      </p:sp>
     </p:spTree>
     <p:extLst>
       <p:ext uri="{BB962C8B-B14F-4D97-AF65-F5344CB8AC3E}">
-        <p14:creationId xmlns:p14="http://schemas.microsoft.com/office/powerpoint/2010/main" val="1637555897"/>
+        <p14:creationId xmlns:p14="http://schemas.microsoft.com/office/powerpoint/2010/main" val="13428808"/>
       </p:ext>
     </p:extLst>
   </p:cSld>
   <p:clrMapOvr>
     <a:masterClrMapping/>
   </p:clrMapOvr>
-  <p:timing>
-    <p:tnLst>
-      <p:par>
-        <p:cTn id="1" dur="indefinite" restart="never" nodeType="tmRoot"/>
-      </p:par>
-    </p:tnLst>
-  </p:timing>
 </p:sld>
 </file>
 
@@ -5938,16 +6160,10 @@
         </p:nvSpPr>
         <p:spPr/>
         <p:txBody>
-          <a:bodyPr>
-            <a:normAutofit/>
-          </a:bodyPr>
-          <a:lstStyle/>
-          <a:p>
-            <a:r>
-              <a:rPr lang="en-GB" sz="3200" dirty="0" smtClean="0"/>
-              <a:t>Next steps?</a:t>
-            </a:r>
-            <a:endParaRPr lang="en-GB" sz="3200" dirty="0"/>
+          <a:bodyPr/>
+          <a:lstStyle/>
+          <a:p>
+            <a:endParaRPr lang="en-GB"/>
           </a:p>
         </p:txBody>
       </p:sp>
@@ -5966,105 +6182,202 @@
           <a:bodyPr/>
           <a:lstStyle/>
           <a:p>
-            <a:pPr lvl="1"/>
-            <a:endParaRPr lang="en-GB" dirty="0" smtClean="0"/>
-          </a:p>
-          <a:p>
-            <a:r>
-              <a:rPr lang="en-GB" sz="2400" dirty="0" smtClean="0"/>
-              <a:t>Run the outcome for different years and estimate:</a:t>
-            </a:r>
-          </a:p>
-          <a:p>
-            <a:pPr lvl="1"/>
-            <a:r>
-              <a:rPr lang="en-GB" sz="2000" dirty="0" smtClean="0"/>
-              <a:t>Pressure indicators (per habitat, gear type, year)</a:t>
-            </a:r>
-          </a:p>
-          <a:p>
-            <a:pPr lvl="1"/>
-            <a:r>
-              <a:rPr lang="en-GB" sz="2000" dirty="0" smtClean="0"/>
-              <a:t>Impact indicators (per habitat, gear type, year)</a:t>
-            </a:r>
-          </a:p>
-          <a:p>
-            <a:pPr lvl="1"/>
-            <a:r>
-              <a:rPr lang="en-GB" sz="2000" dirty="0" smtClean="0"/>
-              <a:t>Trade offs</a:t>
-            </a:r>
-          </a:p>
-          <a:p>
-            <a:endParaRPr lang="en-GB" dirty="0" smtClean="0"/>
-          </a:p>
-          <a:p>
-            <a:r>
-              <a:rPr lang="en-GB" sz="2400" dirty="0"/>
-              <a:t>Bootstrap of parameters to estimate uncertainty (code will be provided):</a:t>
-            </a:r>
-          </a:p>
-          <a:p>
-            <a:pPr lvl="1"/>
-            <a:r>
-              <a:rPr lang="en-GB" sz="2000" dirty="0" smtClean="0"/>
-              <a:t>Uncertainty in depletion </a:t>
-            </a:r>
-            <a:r>
-              <a:rPr lang="en-GB" sz="2000" dirty="0"/>
-              <a:t>and recovery </a:t>
-            </a:r>
-            <a:r>
-              <a:rPr lang="en-GB" sz="2000" dirty="0" smtClean="0"/>
-              <a:t>parameters taken from </a:t>
-            </a:r>
-            <a:r>
-              <a:rPr lang="en-GB" sz="2000" dirty="0"/>
-              <a:t>Hiddink et al. 2016/2017</a:t>
-            </a:r>
-          </a:p>
-          <a:p>
-            <a:pPr lvl="1"/>
-            <a:r>
-              <a:rPr lang="en-GB" sz="2000"/>
-              <a:t>Longevity </a:t>
-            </a:r>
-            <a:r>
-              <a:rPr lang="en-GB" sz="2000" smtClean="0"/>
-              <a:t>uncertainty taken </a:t>
-            </a:r>
-            <a:r>
-              <a:rPr lang="en-GB" sz="2000" dirty="0" smtClean="0"/>
-              <a:t>from </a:t>
-            </a:r>
-            <a:r>
-              <a:rPr lang="en-GB" sz="2000" dirty="0"/>
-              <a:t>your own statistical model</a:t>
-            </a:r>
-          </a:p>
-          <a:p>
+            <a:endParaRPr lang="en-GB"/>
+          </a:p>
+        </p:txBody>
+      </p:sp>
+      <p:sp>
+        <p:nvSpPr>
+          <p:cNvPr id="4" name="Slide Number Placeholder 3"/>
+          <p:cNvSpPr>
+            <a:spLocks noGrp="1"/>
+          </p:cNvSpPr>
+          <p:nvPr>
+            <p:ph type="sldNum" sz="quarter" idx="11"/>
+          </p:nvPr>
+        </p:nvSpPr>
+        <p:spPr/>
+        <p:txBody>
+          <a:bodyPr/>
+          <a:lstStyle/>
+          <a:p>
+            <a:fld id="{103EA872-A674-449B-A120-B97244F8E91D}" type="slidenum">
+              <a:rPr lang="en-GB" smtClean="0"/>
+              <a:pPr/>
+              <a:t>18</a:t>
+            </a:fld>
             <a:endParaRPr lang="en-GB" dirty="0"/>
           </a:p>
         </p:txBody>
       </p:sp>
+      <p:pic>
+        <p:nvPicPr>
+          <p:cNvPr id="5" name="Picture 4"/>
+          <p:cNvPicPr>
+            <a:picLocks noChangeAspect="1"/>
+          </p:cNvPicPr>
+          <p:nvPr/>
+        </p:nvPicPr>
+        <p:blipFill>
+          <a:blip r:embed="rId2"/>
+          <a:stretch>
+            <a:fillRect/>
+          </a:stretch>
+        </p:blipFill>
+        <p:spPr>
+          <a:xfrm>
+            <a:off x="1199456" y="912486"/>
+            <a:ext cx="9652804" cy="5500815"/>
+          </a:xfrm>
+          <a:prstGeom prst="rect">
+            <a:avLst/>
+          </a:prstGeom>
+        </p:spPr>
+      </p:pic>
     </p:spTree>
     <p:extLst>
       <p:ext uri="{BB962C8B-B14F-4D97-AF65-F5344CB8AC3E}">
-        <p14:creationId xmlns:p14="http://schemas.microsoft.com/office/powerpoint/2010/main" val="1764883"/>
+        <p14:creationId xmlns:p14="http://schemas.microsoft.com/office/powerpoint/2010/main" val="3213535589"/>
       </p:ext>
     </p:extLst>
   </p:cSld>
   <p:clrMapOvr>
     <a:masterClrMapping/>
   </p:clrMapOvr>
-  <p:timing>
-    <p:tnLst>
-      <p:par>
-        <p:cTn id="1" dur="indefinite" restart="never" nodeType="tmRoot"/>
-      </p:par>
-    </p:tnLst>
-  </p:timing>
+</p:sld>
+</file>
+
+<file path=ppt/slides/slide19.xml><?xml version="1.0" encoding="utf-8"?>
+<p:sld xmlns:a="http://schemas.openxmlformats.org/drawingml/2006/main" xmlns:r="http://schemas.openxmlformats.org/officeDocument/2006/relationships" xmlns:p="http://schemas.openxmlformats.org/presentationml/2006/main">
+  <p:cSld>
+    <p:spTree>
+      <p:nvGrpSpPr>
+        <p:cNvPr id="1" name=""/>
+        <p:cNvGrpSpPr/>
+        <p:nvPr/>
+      </p:nvGrpSpPr>
+      <p:grpSpPr>
+        <a:xfrm>
+          <a:off x="0" y="0"/>
+          <a:ext cx="0" cy="0"/>
+          <a:chOff x="0" y="0"/>
+          <a:chExt cx="0" cy="0"/>
+        </a:xfrm>
+      </p:grpSpPr>
+      <p:sp>
+        <p:nvSpPr>
+          <p:cNvPr id="2" name="Title 1"/>
+          <p:cNvSpPr>
+            <a:spLocks noGrp="1"/>
+          </p:cNvSpPr>
+          <p:nvPr>
+            <p:ph type="title"/>
+          </p:nvPr>
+        </p:nvSpPr>
+        <p:spPr/>
+        <p:txBody>
+          <a:bodyPr/>
+          <a:lstStyle/>
+          <a:p>
+            <a:endParaRPr lang="en-GB" dirty="0"/>
+          </a:p>
+        </p:txBody>
+      </p:sp>
+      <p:sp>
+        <p:nvSpPr>
+          <p:cNvPr id="3" name="Content Placeholder 2"/>
+          <p:cNvSpPr>
+            <a:spLocks noGrp="1"/>
+          </p:cNvSpPr>
+          <p:nvPr>
+            <p:ph idx="1"/>
+          </p:nvPr>
+        </p:nvSpPr>
+        <p:spPr/>
+        <p:txBody>
+          <a:bodyPr/>
+          <a:lstStyle/>
+          <a:p>
+            <a:endParaRPr lang="en-GB" dirty="0"/>
+          </a:p>
+        </p:txBody>
+      </p:sp>
+      <p:pic>
+        <p:nvPicPr>
+          <p:cNvPr id="5" name="Picture 4"/>
+          <p:cNvPicPr>
+            <a:picLocks noChangeAspect="1"/>
+          </p:cNvPicPr>
+          <p:nvPr/>
+        </p:nvPicPr>
+        <p:blipFill>
+          <a:blip r:embed="rId2"/>
+          <a:stretch>
+            <a:fillRect/>
+          </a:stretch>
+        </p:blipFill>
+        <p:spPr>
+          <a:xfrm>
+            <a:off x="2312048" y="482017"/>
+            <a:ext cx="4152900" cy="3238500"/>
+          </a:xfrm>
+          <a:prstGeom prst="rect">
+            <a:avLst/>
+          </a:prstGeom>
+        </p:spPr>
+      </p:pic>
+      <p:sp>
+        <p:nvSpPr>
+          <p:cNvPr id="6" name="TextBox 5"/>
+          <p:cNvSpPr txBox="1"/>
+          <p:nvPr/>
+        </p:nvSpPr>
+        <p:spPr>
+          <a:xfrm>
+            <a:off x="1115568" y="5678424"/>
+            <a:ext cx="6094745" cy="369332"/>
+          </a:xfrm>
+          <a:prstGeom prst="rect">
+            <a:avLst/>
+          </a:prstGeom>
+          <a:noFill/>
+        </p:spPr>
+        <p:txBody>
+          <a:bodyPr wrap="none" rtlCol="0">
+            <a:spAutoFit/>
+          </a:bodyPr>
+          <a:lstStyle/>
+          <a:p>
+            <a:r>
+              <a:rPr lang="en-US" u="sng" dirty="0"/>
+              <a:t>Step 4 calculate </a:t>
+            </a:r>
+            <a:r>
+              <a:rPr lang="en-US" u="sng" dirty="0" err="1"/>
+              <a:t>impact.R</a:t>
+            </a:r>
+            <a:r>
+              <a:rPr lang="en-GB" dirty="0"/>
+              <a:t> in the folder: </a:t>
+            </a:r>
+            <a:r>
+              <a:rPr lang="en-US" dirty="0"/>
+              <a:t>Step 4 Calculate impact</a:t>
+            </a:r>
+            <a:endParaRPr lang="en-GB" dirty="0"/>
+          </a:p>
+        </p:txBody>
+      </p:sp>
+    </p:spTree>
+    <p:extLst>
+      <p:ext uri="{BB962C8B-B14F-4D97-AF65-F5344CB8AC3E}">
+        <p14:creationId xmlns:p14="http://schemas.microsoft.com/office/powerpoint/2010/main" val="1637555897"/>
+      </p:ext>
+    </p:extLst>
+  </p:cSld>
+  <p:clrMapOvr>
+    <a:masterClrMapping/>
+  </p:clrMapOvr>
 </p:sld>
 </file>
 
@@ -6103,10 +6416,9 @@
           <a:lstStyle/>
           <a:p>
             <a:r>
-              <a:rPr lang="en-GB" sz="4000" dirty="0" smtClean="0"/>
+              <a:rPr lang="en-GB" sz="4000" dirty="0"/>
               <a:t>Four steps for the workflow:</a:t>
             </a:r>
-            <a:endParaRPr lang="en-GB" sz="4000" dirty="0"/>
           </a:p>
         </p:txBody>
       </p:sp>
@@ -6136,7 +6448,7 @@
               <a:buNone/>
             </a:pPr>
             <a:r>
-              <a:rPr lang="en-GB" sz="2000" dirty="0" smtClean="0"/>
+              <a:rPr lang="en-GB" sz="2000" dirty="0"/>
               <a:t>1. Assign region of interest</a:t>
             </a:r>
           </a:p>
@@ -6164,12 +6476,8 @@
           <a:lstStyle/>
           <a:p>
             <a:r>
-              <a:rPr lang="en-GB" sz="2000" dirty="0" smtClean="0"/>
-              <a:t>2. </a:t>
-            </a:r>
-            <a:r>
               <a:rPr lang="en-GB" sz="2000" dirty="0"/>
-              <a:t>Estimate relationships between longevity and environment from benthic data</a:t>
+              <a:t>2. Estimate relationships between longevity and environment from benthic data</a:t>
             </a:r>
           </a:p>
           <a:p>
@@ -6203,18 +6511,9 @@
           <a:lstStyle/>
           <a:p>
             <a:r>
-              <a:rPr lang="en-GB" sz="2000" dirty="0" smtClean="0"/>
-              <a:t>3. Predict </a:t>
-            </a:r>
-            <a:r>
               <a:rPr lang="en-GB" sz="2000" dirty="0"/>
-              <a:t>sensitivity (=longevity distribution) at large spatial </a:t>
-            </a:r>
-            <a:r>
-              <a:rPr lang="en-GB" sz="2000" dirty="0" smtClean="0"/>
-              <a:t>scales</a:t>
-            </a:r>
-            <a:endParaRPr lang="en-GB" sz="2000" dirty="0"/>
+              <a:t>3. Predict sensitivity (=longevity distribution) at large spatial scales</a:t>
+            </a:r>
           </a:p>
         </p:txBody>
       </p:sp>
@@ -6240,12 +6539,8 @@
           <a:lstStyle/>
           <a:p>
             <a:r>
-              <a:rPr lang="en-GB" dirty="0" smtClean="0"/>
-              <a:t>4. Estimate </a:t>
-            </a:r>
-            <a:r>
               <a:rPr lang="en-GB" dirty="0"/>
-              <a:t>seabed state for the whole region and per MSFD habitat type</a:t>
+              <a:t>4. Estimate seabed state for the whole region and per MSFD habitat type</a:t>
             </a:r>
           </a:p>
         </p:txBody>
@@ -7240,18 +7535,9 @@
           <a:lstStyle/>
           <a:p>
             <a:r>
-              <a:rPr lang="en-GB" sz="3600" dirty="0" smtClean="0"/>
-              <a:t>Step 1: Assign </a:t>
-            </a:r>
-            <a:r>
               <a:rPr lang="en-GB" sz="3600" dirty="0"/>
-              <a:t>region of </a:t>
-            </a:r>
-            <a:r>
-              <a:rPr lang="en-GB" sz="3600" dirty="0" smtClean="0"/>
-              <a:t>interest</a:t>
-            </a:r>
-            <a:endParaRPr lang="en-GB" sz="3600" dirty="0"/>
+              <a:t>Step 1: Assign region of interest</a:t>
+            </a:r>
           </a:p>
         </p:txBody>
       </p:sp>
@@ -7463,21 +7749,8 @@
           <a:p>
             <a:r>
               <a:rPr lang="en-GB" sz="3200" dirty="0"/>
-              <a:t>Step 1: </a:t>
-            </a:r>
-            <a:r>
-              <a:rPr lang="en-GB" sz="3200" dirty="0" smtClean="0"/>
-              <a:t>Assign </a:t>
-            </a:r>
-            <a:r>
-              <a:rPr lang="en-GB" sz="3200" dirty="0"/>
-              <a:t>region of </a:t>
-            </a:r>
-            <a:r>
-              <a:rPr lang="en-GB" sz="3200" dirty="0" smtClean="0"/>
-              <a:t>interest: data layers</a:t>
-            </a:r>
-            <a:endParaRPr lang="en-GB" sz="3200" dirty="0"/>
+              <a:t>Step 1: Assign region of interest: data layers</a:t>
+            </a:r>
           </a:p>
         </p:txBody>
       </p:sp>
@@ -7504,67 +7777,67 @@
           <a:lstStyle/>
           <a:p>
             <a:r>
-              <a:rPr lang="en-GB" sz="1800" dirty="0" smtClean="0"/>
+              <a:rPr lang="en-GB" sz="1800" dirty="0"/>
               <a:t>EMODNET MSFD habitats (</a:t>
             </a:r>
             <a:r>
-              <a:rPr lang="en-GB" sz="1800" b="1" u="sng" dirty="0" smtClean="0"/>
+              <a:rPr lang="en-GB" sz="1800" b="1" u="sng" dirty="0"/>
               <a:t>large </a:t>
             </a:r>
             <a:r>
-              <a:rPr lang="en-GB" sz="1800" b="1" u="sng" dirty="0" err="1" smtClean="0"/>
+              <a:rPr lang="en-GB" sz="1800" b="1" u="sng" dirty="0" err="1"/>
               <a:t>datafile</a:t>
             </a:r>
             <a:r>
-              <a:rPr lang="en-GB" sz="1800" dirty="0" smtClean="0"/>
+              <a:rPr lang="en-GB" sz="1800" dirty="0"/>
               <a:t>) </a:t>
             </a:r>
           </a:p>
           <a:p>
             <a:pPr lvl="1"/>
             <a:r>
-              <a:rPr lang="en-GB" sz="1600" dirty="0" smtClean="0">
+              <a:rPr lang="en-GB" sz="1600" dirty="0">
                 <a:hlinkClick r:id="rId2"/>
               </a:rPr>
               <a:t>https://www.emodnet-seabedhabitats.eu/access-data/download-data/?linkid=1</a:t>
             </a:r>
-            <a:endParaRPr lang="en-GB" sz="1600" dirty="0" smtClean="0"/>
+            <a:endParaRPr lang="en-GB" sz="1600" dirty="0"/>
           </a:p>
           <a:p>
             <a:endParaRPr lang="en-GB" sz="1800" dirty="0"/>
           </a:p>
           <a:p>
-            <a:endParaRPr lang="en-GB" sz="1800" dirty="0" smtClean="0"/>
-          </a:p>
-          <a:p>
-            <a:r>
-              <a:rPr lang="en-GB" sz="1800" dirty="0" smtClean="0"/>
+            <a:endParaRPr lang="en-GB" sz="1800" dirty="0"/>
+          </a:p>
+          <a:p>
+            <a:r>
+              <a:rPr lang="en-GB" sz="1800" dirty="0"/>
               <a:t>ICES Ecoregions</a:t>
             </a:r>
           </a:p>
           <a:p>
             <a:pPr lvl="1"/>
             <a:r>
-              <a:rPr lang="en-GB" sz="1600" dirty="0" smtClean="0">
+              <a:rPr lang="en-GB" sz="1600" dirty="0">
                 <a:hlinkClick r:id="rId3"/>
               </a:rPr>
               <a:t>http://gis.ices.dk/shapefiles/ICES_ecoregions.zip</a:t>
             </a:r>
-            <a:endParaRPr lang="en-GB" sz="1600" dirty="0" smtClean="0"/>
-          </a:p>
-          <a:p>
-            <a:endParaRPr lang="en-GB" sz="1800" dirty="0" smtClean="0"/>
-          </a:p>
-          <a:p>
-            <a:r>
-              <a:rPr lang="en-GB" sz="1800" dirty="0" smtClean="0"/>
+            <a:endParaRPr lang="en-GB" sz="1600" dirty="0"/>
+          </a:p>
+          <a:p>
+            <a:endParaRPr lang="en-GB" sz="1800" dirty="0"/>
+          </a:p>
+          <a:p>
+            <a:r>
+              <a:rPr lang="en-GB" sz="1800" dirty="0"/>
               <a:t>Exclusive Economic Zones</a:t>
             </a:r>
           </a:p>
           <a:p>
             <a:pPr lvl="1"/>
             <a:r>
-              <a:rPr lang="en-GB" sz="1600" dirty="0" smtClean="0">
+              <a:rPr lang="en-GB" sz="1600" dirty="0">
                 <a:hlinkClick r:id="rId4"/>
               </a:rPr>
               <a:t>www.marineregions.org/download_file.php?name=EEZ_land_union_v2_201410.zip</a:t>
@@ -7572,40 +7845,39 @@
             <a:endParaRPr lang="en-GB" sz="1600" dirty="0"/>
           </a:p>
           <a:p>
-            <a:endParaRPr lang="en-GB" sz="1800" dirty="0" smtClean="0"/>
-          </a:p>
-          <a:p>
-            <a:r>
-              <a:rPr lang="en-GB" sz="1800" dirty="0" smtClean="0"/>
+            <a:endParaRPr lang="en-GB" sz="1800" dirty="0"/>
+          </a:p>
+          <a:p>
+            <a:r>
+              <a:rPr lang="en-GB" sz="1800" dirty="0"/>
               <a:t>OSPAR Reporting Units (or equivalent in Mediterranean (GFCM) / Baltic (HELCOM habitats)</a:t>
             </a:r>
           </a:p>
           <a:p>
             <a:pPr lvl="1"/>
             <a:r>
-              <a:rPr lang="en-GB" sz="1600" dirty="0" smtClean="0">
+              <a:rPr lang="en-GB" sz="1600" dirty="0">
                 <a:hlinkClick r:id="rId5"/>
               </a:rPr>
               <a:t>https://odims.ospar.org/documents/62</a:t>
             </a:r>
-            <a:endParaRPr lang="en-GB" sz="1600" dirty="0" smtClean="0"/>
-          </a:p>
-          <a:p>
-            <a:endParaRPr lang="en-GB" sz="1800" dirty="0" smtClean="0"/>
-          </a:p>
-          <a:p>
-            <a:r>
-              <a:rPr lang="en-GB" sz="1800" dirty="0" smtClean="0"/>
-              <a:t>Download any other data layer of interest to your region (e.g. Baltic Sea -&gt; Salinity, Barents Sea -&gt; temperature)</a:t>
+            <a:endParaRPr lang="en-GB" sz="1600" dirty="0"/>
+          </a:p>
+          <a:p>
+            <a:endParaRPr lang="en-GB" sz="1800" dirty="0"/>
+          </a:p>
+          <a:p>
+            <a:r>
+              <a:rPr lang="en-GB" sz="1800" dirty="0"/>
+              <a:t>Download any other data layer of interest to your region (e.g. Baltic Sea -&gt; Salinity)</a:t>
             </a:r>
           </a:p>
           <a:p>
             <a:pPr lvl="1"/>
             <a:r>
-              <a:rPr lang="en-GB" sz="1800" dirty="0" smtClean="0"/>
+              <a:rPr lang="en-GB" sz="1800" dirty="0"/>
               <a:t>……</a:t>
             </a:r>
-            <a:endParaRPr lang="en-GB" sz="1800" dirty="0"/>
           </a:p>
         </p:txBody>
       </p:sp>
@@ -8078,18 +8350,18 @@
           <a:lstStyle/>
           <a:p>
             <a:r>
-              <a:rPr lang="en-GB" u="sng" dirty="0" smtClean="0"/>
+              <a:rPr lang="en-GB" u="sng" dirty="0"/>
               <a:t>Step1_region.R</a:t>
             </a:r>
             <a:r>
-              <a:rPr lang="en-GB" dirty="0" smtClean="0"/>
+              <a:rPr lang="en-GB" dirty="0"/>
               <a:t> in the folder: </a:t>
             </a:r>
             <a:r>
               <a:rPr lang="en-US" dirty="0"/>
               <a:t>Step 1 Assign region of interest</a:t>
             </a:r>
-            <a:endParaRPr lang="en-GB" dirty="0" smtClean="0"/>
+            <a:endParaRPr lang="en-GB" dirty="0"/>
           </a:p>
         </p:txBody>
       </p:sp>
@@ -8103,13 +8375,6 @@
   <p:clrMapOvr>
     <a:masterClrMapping/>
   </p:clrMapOvr>
-  <p:timing>
-    <p:tnLst>
-      <p:par>
-        <p:cTn id="1" dur="indefinite" restart="never" nodeType="tmRoot"/>
-      </p:par>
-    </p:tnLst>
-  </p:timing>
 </p:sld>
 </file>
 
@@ -8148,26 +8413,9 @@
           <a:lstStyle/>
           <a:p>
             <a:r>
-              <a:rPr lang="en-GB" sz="3200" dirty="0" smtClean="0"/>
-              <a:t>Step 2: </a:t>
-            </a:r>
-            <a:r>
               <a:rPr lang="en-GB" sz="3200" dirty="0"/>
-              <a:t>Estimate relationships between </a:t>
-            </a:r>
-            <a:r>
-              <a:rPr lang="en-GB" sz="3200" dirty="0" smtClean="0"/>
-              <a:t>longevity and environment </a:t>
-            </a:r>
-            <a:r>
-              <a:rPr lang="en-GB" sz="3200" dirty="0"/>
-              <a:t>from benthic </a:t>
-            </a:r>
-            <a:r>
-              <a:rPr lang="en-GB" sz="3200" dirty="0" smtClean="0"/>
-              <a:t>data</a:t>
-            </a:r>
-            <a:endParaRPr lang="en-GB" sz="3200" dirty="0"/>
+              <a:t>Step 2: Estimate relationships between longevity and environment from benthic data</a:t>
+            </a:r>
           </a:p>
         </p:txBody>
       </p:sp>
@@ -8197,57 +8445,49 @@
               <a:buNone/>
             </a:pPr>
             <a:r>
-              <a:rPr lang="en-GB" sz="2400" dirty="0" smtClean="0"/>
+              <a:rPr lang="en-GB" sz="2400" dirty="0"/>
               <a:t>Data requirements:</a:t>
             </a:r>
           </a:p>
           <a:p>
             <a:pPr lvl="1"/>
             <a:r>
-              <a:rPr lang="en-GB" sz="2000" dirty="0" smtClean="0"/>
+              <a:rPr lang="en-GB" sz="2000" dirty="0"/>
               <a:t>Benthic sampling data (preferably unfished locations); </a:t>
             </a:r>
             <a:r>
-              <a:rPr lang="en-GB" sz="2000" dirty="0" err="1" smtClean="0"/>
+              <a:rPr lang="en-GB" sz="2000" dirty="0" err="1"/>
               <a:t>infauna</a:t>
             </a:r>
             <a:r>
               <a:rPr lang="en-GB" sz="2000" dirty="0"/>
-              <a:t> </a:t>
-            </a:r>
-            <a:r>
-              <a:rPr lang="en-GB" sz="2000" dirty="0" smtClean="0"/>
-              <a:t>/ </a:t>
-            </a:r>
-            <a:r>
-              <a:rPr lang="en-GB" sz="2000" dirty="0" err="1" smtClean="0"/>
+              <a:t> / </a:t>
+            </a:r>
+            <a:r>
+              <a:rPr lang="en-GB" sz="2000" dirty="0" err="1"/>
               <a:t>epifauna</a:t>
             </a:r>
             <a:r>
               <a:rPr lang="en-GB" sz="2000" dirty="0"/>
-              <a:t> </a:t>
-            </a:r>
-            <a:r>
-              <a:rPr lang="en-GB" sz="2000" dirty="0" smtClean="0"/>
-              <a:t>/ megafauna</a:t>
+              <a:t> / megafauna</a:t>
             </a:r>
           </a:p>
           <a:p>
             <a:pPr lvl="1"/>
-            <a:endParaRPr lang="en-GB" sz="2000" dirty="0" smtClean="0"/>
+            <a:endParaRPr lang="en-GB" sz="2000" dirty="0"/>
           </a:p>
           <a:p>
             <a:pPr lvl="1"/>
             <a:r>
-              <a:rPr lang="en-GB" sz="2000" dirty="0" smtClean="0"/>
+              <a:rPr lang="en-GB" sz="2000" dirty="0"/>
               <a:t>Longevity </a:t>
             </a:r>
             <a:r>
-              <a:rPr lang="en-GB" sz="2000" dirty="0" err="1" smtClean="0"/>
+              <a:rPr lang="en-GB" sz="2000" dirty="0" err="1"/>
               <a:t>datatable</a:t>
             </a:r>
             <a:r>
-              <a:rPr lang="en-GB" sz="2000" dirty="0" smtClean="0"/>
+              <a:rPr lang="en-GB" sz="2000" dirty="0"/>
               <a:t> per species / genus / family</a:t>
             </a:r>
           </a:p>
@@ -8388,13 +8628,6 @@
   <p:clrMapOvr>
     <a:masterClrMapping/>
   </p:clrMapOvr>
-  <p:timing>
-    <p:tnLst>
-      <p:par>
-        <p:cTn id="1" dur="indefinite" restart="never" nodeType="tmRoot"/>
-      </p:par>
-    </p:tnLst>
-  </p:timing>
 </p:sld>
 </file>
 
@@ -8433,10 +8666,9 @@
           <a:lstStyle/>
           <a:p>
             <a:r>
-              <a:rPr lang="en-GB" sz="2800" dirty="0" smtClean="0"/>
+              <a:rPr lang="en-GB" sz="2800" dirty="0"/>
               <a:t>Step 2. Longevity data table</a:t>
             </a:r>
-            <a:endParaRPr lang="en-GB" sz="2800" dirty="0"/>
           </a:p>
         </p:txBody>
       </p:sp>
@@ -8456,69 +8688,15 @@
           <a:lstStyle/>
           <a:p>
             <a:r>
-              <a:rPr lang="en-GB" sz="2400" dirty="0" smtClean="0"/>
-              <a:t>Longevity </a:t>
-            </a:r>
-            <a:r>
               <a:rPr lang="en-GB" sz="2400" dirty="0"/>
-              <a:t>data tables are available on the </a:t>
-            </a:r>
-            <a:r>
-              <a:rPr lang="en-GB" sz="2400" dirty="0" err="1" smtClean="0"/>
-              <a:t>sharepoint</a:t>
-            </a:r>
-            <a:r>
-              <a:rPr lang="en-GB" sz="2400" dirty="0" smtClean="0"/>
-              <a:t>:</a:t>
+              <a:t>Longevity data tables are available, e.g.:</a:t>
             </a:r>
           </a:p>
           <a:p>
             <a:pPr lvl="1"/>
             <a:r>
-              <a:rPr lang="en-GB" sz="2000" dirty="0" smtClean="0"/>
+              <a:rPr lang="en-GB" sz="2000" dirty="0"/>
               <a:t>CEFAS/BENTHIS -- Stef Bolam (</a:t>
-            </a:r>
-            <a:r>
-              <a:rPr lang="en-GB" sz="2000" dirty="0" err="1" smtClean="0"/>
-              <a:t>infauna</a:t>
-            </a:r>
-            <a:r>
-              <a:rPr lang="en-GB" sz="2000" dirty="0" smtClean="0"/>
-              <a:t>/</a:t>
-            </a:r>
-            <a:r>
-              <a:rPr lang="en-GB" sz="2000" dirty="0" err="1" smtClean="0"/>
-              <a:t>epifauna</a:t>
-            </a:r>
-            <a:r>
-              <a:rPr lang="en-GB" sz="2000" dirty="0" smtClean="0"/>
-              <a:t>)</a:t>
-            </a:r>
-          </a:p>
-          <a:p>
-            <a:pPr lvl="1"/>
-            <a:r>
-              <a:rPr lang="en-US" sz="2000" dirty="0" smtClean="0"/>
-              <a:t>IMR/HCMR -- </a:t>
-            </a:r>
-            <a:r>
-              <a:rPr lang="en-GB" sz="2000" dirty="0" err="1" smtClean="0"/>
-              <a:t>Lene</a:t>
-            </a:r>
-            <a:r>
-              <a:rPr lang="en-GB" sz="2000" dirty="0" smtClean="0"/>
-              <a:t> Buhl Mortensen (megafauna)</a:t>
-            </a:r>
-          </a:p>
-          <a:p>
-            <a:pPr lvl="1"/>
-            <a:r>
-              <a:rPr lang="en-GB" sz="2000" dirty="0" smtClean="0"/>
-              <a:t>EMODNET -- Olivier Beauchard </a:t>
-            </a:r>
-            <a:r>
-              <a:rPr lang="en-GB" sz="2000" dirty="0"/>
-              <a:t>(</a:t>
             </a:r>
             <a:r>
               <a:rPr lang="en-GB" sz="2000" dirty="0" err="1"/>
@@ -8539,11 +8717,49 @@
           </a:p>
           <a:p>
             <a:pPr lvl="1"/>
-            <a:endParaRPr lang="en-GB" dirty="0" smtClean="0"/>
+            <a:r>
+              <a:rPr lang="en-US" sz="2000" dirty="0"/>
+              <a:t>IMR/HCMR -- </a:t>
+            </a:r>
+            <a:r>
+              <a:rPr lang="en-GB" sz="2000" dirty="0" err="1"/>
+              <a:t>Lene</a:t>
+            </a:r>
+            <a:r>
+              <a:rPr lang="en-GB" sz="2000" dirty="0"/>
+              <a:t> Buhl Mortensen (megafauna)</a:t>
+            </a:r>
           </a:p>
           <a:p>
             <a:pPr lvl="1"/>
-            <a:endParaRPr lang="en-GB" dirty="0" smtClean="0"/>
+            <a:r>
+              <a:rPr lang="en-GB" sz="2000" dirty="0"/>
+              <a:t>EMODNET -- Olivier Beauchard (</a:t>
+            </a:r>
+            <a:r>
+              <a:rPr lang="en-GB" sz="2000" dirty="0" err="1"/>
+              <a:t>infauna</a:t>
+            </a:r>
+            <a:r>
+              <a:rPr lang="en-GB" sz="2000" dirty="0"/>
+              <a:t>/</a:t>
+            </a:r>
+            <a:r>
+              <a:rPr lang="en-GB" sz="2000" dirty="0" err="1"/>
+              <a:t>epifauna</a:t>
+            </a:r>
+            <a:r>
+              <a:rPr lang="en-GB" sz="2000" dirty="0"/>
+              <a:t>)</a:t>
+            </a:r>
+          </a:p>
+          <a:p>
+            <a:pPr lvl="1"/>
+            <a:endParaRPr lang="en-GB" dirty="0"/>
+          </a:p>
+          <a:p>
+            <a:pPr lvl="1"/>
+            <a:endParaRPr lang="en-GB" dirty="0"/>
           </a:p>
           <a:p>
             <a:endParaRPr lang="en-GB" dirty="0"/>
@@ -8570,13 +8786,6 @@
   <p:clrMapOvr>
     <a:masterClrMapping/>
   </p:clrMapOvr>
-  <p:timing>
-    <p:tnLst>
-      <p:par>
-        <p:cTn id="1" dur="indefinite" restart="never" nodeType="tmRoot"/>
-      </p:par>
-    </p:tnLst>
-  </p:timing>
 </p:sld>
 </file>
 
@@ -8621,13 +8830,8 @@
           <a:p>
             <a:r>
               <a:rPr lang="en-GB" sz="3200" dirty="0"/>
-              <a:t>Step 2: </a:t>
-            </a:r>
-            <a:r>
-              <a:rPr lang="en-GB" sz="3200" dirty="0" smtClean="0"/>
-              <a:t>Longevity per station</a:t>
-            </a:r>
-            <a:endParaRPr lang="en-GB" sz="3200" dirty="0"/>
+              <a:t>Step 2: Longevity per station</a:t>
+            </a:r>
           </a:p>
         </p:txBody>
       </p:sp>
@@ -8654,35 +8858,35 @@
           <a:lstStyle/>
           <a:p>
             <a:r>
-              <a:rPr lang="en-GB" sz="2400" dirty="0" smtClean="0"/>
+              <a:rPr lang="en-GB" sz="2400" dirty="0"/>
               <a:t>Longevity is here assigned in 4 categories (using BENTHIS trait data table)</a:t>
             </a:r>
           </a:p>
           <a:p>
             <a:pPr lvl="1"/>
             <a:r>
-              <a:rPr lang="en-GB" sz="2000" dirty="0" smtClean="0"/>
+              <a:rPr lang="en-GB" sz="2000" dirty="0"/>
               <a:t>&lt; 1 year</a:t>
             </a:r>
           </a:p>
           <a:p>
             <a:pPr lvl="1"/>
             <a:r>
-              <a:rPr lang="en-GB" sz="2000" dirty="0" smtClean="0"/>
+              <a:rPr lang="en-GB" sz="2000" dirty="0"/>
               <a:t>1-3 years</a:t>
             </a:r>
           </a:p>
           <a:p>
             <a:pPr lvl="1"/>
             <a:r>
-              <a:rPr lang="en-GB" sz="2000" dirty="0" smtClean="0"/>
+              <a:rPr lang="en-GB" sz="2000" dirty="0"/>
               <a:t>3-10 years</a:t>
             </a:r>
           </a:p>
           <a:p>
             <a:pPr lvl="1"/>
             <a:r>
-              <a:rPr lang="en-GB" sz="2000" dirty="0" smtClean="0"/>
+              <a:rPr lang="en-GB" sz="2000" dirty="0"/>
               <a:t>&gt; 10 years</a:t>
             </a:r>
           </a:p>
@@ -8692,7 +8896,7 @@
           </a:p>
           <a:p>
             <a:r>
-              <a:rPr lang="en-GB" sz="2400" dirty="0" smtClean="0"/>
+              <a:rPr lang="en-GB" sz="2400" dirty="0"/>
               <a:t>Example:</a:t>
             </a:r>
           </a:p>
@@ -8918,10 +9122,9 @@
           <a:lstStyle/>
           <a:p>
             <a:r>
-              <a:rPr lang="en-GB" sz="3200" dirty="0" smtClean="0"/>
+              <a:rPr lang="en-GB" sz="3200" dirty="0"/>
               <a:t>Benthic sampling data with longevity</a:t>
             </a:r>
-            <a:endParaRPr lang="en-GB" sz="3200" dirty="0"/>
           </a:p>
         </p:txBody>
       </p:sp>
@@ -8971,18 +9174,13 @@
           <a:lstStyle/>
           <a:p>
             <a:r>
-              <a:rPr lang="en-GB" dirty="0" smtClean="0">
+              <a:rPr lang="en-GB" dirty="0">
                 <a:solidFill>
                   <a:srgbClr val="FF0000"/>
                 </a:solidFill>
               </a:rPr>
               <a:t>Example station A</a:t>
             </a:r>
-            <a:endParaRPr lang="en-GB" dirty="0">
-              <a:solidFill>
-                <a:srgbClr val="FF0000"/>
-              </a:solidFill>
-            </a:endParaRPr>
           </a:p>
         </p:txBody>
       </p:sp>
@@ -9033,18 +9231,13 @@
           <a:lstStyle/>
           <a:p>
             <a:r>
-              <a:rPr lang="en-GB" dirty="0" smtClean="0">
+              <a:rPr lang="en-GB" dirty="0">
                 <a:solidFill>
                   <a:srgbClr val="0000FF"/>
                 </a:solidFill>
               </a:rPr>
               <a:t>Example station B</a:t>
             </a:r>
-            <a:endParaRPr lang="en-GB" dirty="0">
-              <a:solidFill>
-                <a:srgbClr val="0000FF"/>
-              </a:solidFill>
-            </a:endParaRPr>
           </a:p>
         </p:txBody>
       </p:sp>
@@ -9088,13 +9281,6 @@
   <p:clrMapOvr>
     <a:masterClrMapping/>
   </p:clrMapOvr>
-  <p:timing>
-    <p:tnLst>
-      <p:par>
-        <p:cTn id="1" dur="indefinite" restart="never" nodeType="tmRoot"/>
-      </p:par>
-    </p:tnLst>
-  </p:timing>
 </p:sld>
 </file>
 

--- a/TAF - ICES tutorial/Introduction to scripts and tutorial on running FBIT.pptx
+++ b/TAF - ICES tutorial/Introduction to scripts and tutorial on running FBIT.pptx
@@ -21,9 +21,10 @@
     <p:sldId id="265" r:id="rId15"/>
     <p:sldId id="273" r:id="rId16"/>
     <p:sldId id="267" r:id="rId17"/>
-    <p:sldId id="279" r:id="rId18"/>
-    <p:sldId id="281" r:id="rId19"/>
-    <p:sldId id="274" r:id="rId20"/>
+    <p:sldId id="282" r:id="rId18"/>
+    <p:sldId id="279" r:id="rId19"/>
+    <p:sldId id="281" r:id="rId20"/>
+    <p:sldId id="274" r:id="rId21"/>
   </p:sldIdLst>
   <p:sldSz cx="12192000" cy="6858000"/>
   <p:notesSz cx="6858000" cy="9144000"/>
@@ -261,7 +262,7 @@
           <a:p>
             <a:fld id="{11F330F3-FCA5-4861-8B1F-83A2381A703A}" type="datetimeFigureOut">
               <a:rPr lang="en-GB" smtClean="0"/>
-              <a:t>08/09/2020</a:t>
+              <a:t>11/09/2020</a:t>
             </a:fld>
             <a:endParaRPr lang="en-GB"/>
           </a:p>
@@ -431,7 +432,7 @@
           <a:p>
             <a:fld id="{11F330F3-FCA5-4861-8B1F-83A2381A703A}" type="datetimeFigureOut">
               <a:rPr lang="en-GB" smtClean="0"/>
-              <a:t>08/09/2020</a:t>
+              <a:t>11/09/2020</a:t>
             </a:fld>
             <a:endParaRPr lang="en-GB"/>
           </a:p>
@@ -611,7 +612,7 @@
           <a:p>
             <a:fld id="{11F330F3-FCA5-4861-8B1F-83A2381A703A}" type="datetimeFigureOut">
               <a:rPr lang="en-GB" smtClean="0"/>
-              <a:t>08/09/2020</a:t>
+              <a:t>11/09/2020</a:t>
             </a:fld>
             <a:endParaRPr lang="en-GB"/>
           </a:p>
@@ -961,7 +962,7 @@
           <a:p>
             <a:fld id="{11F330F3-FCA5-4861-8B1F-83A2381A703A}" type="datetimeFigureOut">
               <a:rPr lang="en-GB" smtClean="0"/>
-              <a:t>08/09/2020</a:t>
+              <a:t>11/09/2020</a:t>
             </a:fld>
             <a:endParaRPr lang="en-GB"/>
           </a:p>
@@ -1207,7 +1208,7 @@
           <a:p>
             <a:fld id="{11F330F3-FCA5-4861-8B1F-83A2381A703A}" type="datetimeFigureOut">
               <a:rPr lang="en-GB" smtClean="0"/>
-              <a:t>08/09/2020</a:t>
+              <a:t>11/09/2020</a:t>
             </a:fld>
             <a:endParaRPr lang="en-GB"/>
           </a:p>
@@ -1439,7 +1440,7 @@
           <a:p>
             <a:fld id="{11F330F3-FCA5-4861-8B1F-83A2381A703A}" type="datetimeFigureOut">
               <a:rPr lang="en-GB" smtClean="0"/>
-              <a:t>08/09/2020</a:t>
+              <a:t>11/09/2020</a:t>
             </a:fld>
             <a:endParaRPr lang="en-GB"/>
           </a:p>
@@ -1806,7 +1807,7 @@
           <a:p>
             <a:fld id="{11F330F3-FCA5-4861-8B1F-83A2381A703A}" type="datetimeFigureOut">
               <a:rPr lang="en-GB" smtClean="0"/>
-              <a:t>08/09/2020</a:t>
+              <a:t>11/09/2020</a:t>
             </a:fld>
             <a:endParaRPr lang="en-GB"/>
           </a:p>
@@ -1924,7 +1925,7 @@
           <a:p>
             <a:fld id="{11F330F3-FCA5-4861-8B1F-83A2381A703A}" type="datetimeFigureOut">
               <a:rPr lang="en-GB" smtClean="0"/>
-              <a:t>08/09/2020</a:t>
+              <a:t>11/09/2020</a:t>
             </a:fld>
             <a:endParaRPr lang="en-GB"/>
           </a:p>
@@ -2019,7 +2020,7 @@
           <a:p>
             <a:fld id="{11F330F3-FCA5-4861-8B1F-83A2381A703A}" type="datetimeFigureOut">
               <a:rPr lang="en-GB" smtClean="0"/>
-              <a:t>08/09/2020</a:t>
+              <a:t>11/09/2020</a:t>
             </a:fld>
             <a:endParaRPr lang="en-GB"/>
           </a:p>
@@ -2296,7 +2297,7 @@
           <a:p>
             <a:fld id="{11F330F3-FCA5-4861-8B1F-83A2381A703A}" type="datetimeFigureOut">
               <a:rPr lang="en-GB" smtClean="0"/>
-              <a:t>08/09/2020</a:t>
+              <a:t>11/09/2020</a:t>
             </a:fld>
             <a:endParaRPr lang="en-GB"/>
           </a:p>
@@ -2549,7 +2550,7 @@
           <a:p>
             <a:fld id="{11F330F3-FCA5-4861-8B1F-83A2381A703A}" type="datetimeFigureOut">
               <a:rPr lang="en-GB" smtClean="0"/>
-              <a:t>08/09/2020</a:t>
+              <a:t>11/09/2020</a:t>
             </a:fld>
             <a:endParaRPr lang="en-GB"/>
           </a:p>
@@ -2762,7 +2763,7 @@
           <a:p>
             <a:fld id="{11F330F3-FCA5-4861-8B1F-83A2381A703A}" type="datetimeFigureOut">
               <a:rPr lang="en-GB" smtClean="0"/>
-              <a:t>08/09/2020</a:t>
+              <a:t>11/09/2020</a:t>
             </a:fld>
             <a:endParaRPr lang="en-GB"/>
           </a:p>
@@ -5724,6 +5725,250 @@
           <a:chExt cx="0" cy="0"/>
         </a:xfrm>
       </p:grpSpPr>
+      <p:sp>
+        <p:nvSpPr>
+          <p:cNvPr id="2" name="Title 1">
+            <a:extLst>
+              <a:ext uri="{FF2B5EF4-FFF2-40B4-BE49-F238E27FC236}">
+                <a16:creationId xmlns:a16="http://schemas.microsoft.com/office/drawing/2014/main" id="{49F6B528-44F6-4050-9004-0689F85A24C4}"/>
+              </a:ext>
+            </a:extLst>
+          </p:cNvPr>
+          <p:cNvSpPr>
+            <a:spLocks noGrp="1"/>
+          </p:cNvSpPr>
+          <p:nvPr>
+            <p:ph type="title"/>
+          </p:nvPr>
+        </p:nvSpPr>
+        <p:spPr>
+          <a:xfrm>
+            <a:off x="838200" y="365125"/>
+            <a:ext cx="10515600" cy="950243"/>
+          </a:xfrm>
+        </p:spPr>
+        <p:txBody>
+          <a:bodyPr>
+            <a:normAutofit/>
+          </a:bodyPr>
+          <a:lstStyle/>
+          <a:p>
+            <a:r>
+              <a:rPr lang="da-DK" sz="3600" dirty="0" err="1"/>
+              <a:t>Logistic</a:t>
+            </a:r>
+            <a:r>
+              <a:rPr lang="da-DK" sz="3600" dirty="0"/>
+              <a:t> </a:t>
+            </a:r>
+            <a:r>
+              <a:rPr lang="da-DK" sz="3600" dirty="0" err="1"/>
+              <a:t>growth</a:t>
+            </a:r>
+            <a:r>
+              <a:rPr lang="da-DK" sz="3600" dirty="0"/>
+              <a:t> </a:t>
+            </a:r>
+            <a:r>
+              <a:rPr lang="da-DK" sz="3600" dirty="0" err="1"/>
+              <a:t>equation</a:t>
+            </a:r>
+            <a:endParaRPr lang="en-US" sz="3600" dirty="0"/>
+          </a:p>
+        </p:txBody>
+      </p:sp>
+      <p:pic>
+        <p:nvPicPr>
+          <p:cNvPr id="4" name="Picture 3">
+            <a:extLst>
+              <a:ext uri="{FF2B5EF4-FFF2-40B4-BE49-F238E27FC236}">
+                <a16:creationId xmlns:a16="http://schemas.microsoft.com/office/drawing/2014/main" id="{24DC67E7-DD6F-4FC3-BE8E-61570D6096F5}"/>
+              </a:ext>
+            </a:extLst>
+          </p:cNvPr>
+          <p:cNvPicPr>
+            <a:picLocks noChangeAspect="1"/>
+          </p:cNvPicPr>
+          <p:nvPr/>
+        </p:nvPicPr>
+        <p:blipFill>
+          <a:blip r:embed="rId2"/>
+          <a:stretch>
+            <a:fillRect/>
+          </a:stretch>
+        </p:blipFill>
+        <p:spPr>
+          <a:xfrm>
+            <a:off x="5457109" y="1807007"/>
+            <a:ext cx="3900945" cy="1050552"/>
+          </a:xfrm>
+          <a:prstGeom prst="rect">
+            <a:avLst/>
+          </a:prstGeom>
+        </p:spPr>
+      </p:pic>
+      <p:pic>
+        <p:nvPicPr>
+          <p:cNvPr id="5" name="Picture 4">
+            <a:extLst>
+              <a:ext uri="{FF2B5EF4-FFF2-40B4-BE49-F238E27FC236}">
+                <a16:creationId xmlns:a16="http://schemas.microsoft.com/office/drawing/2014/main" id="{ED9D7F49-E72C-4F39-8E0F-EACDDB228A7C}"/>
+              </a:ext>
+            </a:extLst>
+          </p:cNvPr>
+          <p:cNvPicPr>
+            <a:picLocks noChangeAspect="1"/>
+          </p:cNvPicPr>
+          <p:nvPr/>
+        </p:nvPicPr>
+        <p:blipFill>
+          <a:blip r:embed="rId3"/>
+          <a:stretch>
+            <a:fillRect/>
+          </a:stretch>
+        </p:blipFill>
+        <p:spPr>
+          <a:xfrm>
+            <a:off x="2577373" y="2914192"/>
+            <a:ext cx="6449438" cy="3442933"/>
+          </a:xfrm>
+          <a:prstGeom prst="rect">
+            <a:avLst/>
+          </a:prstGeom>
+        </p:spPr>
+      </p:pic>
+    </p:spTree>
+    <p:extLst>
+      <p:ext uri="{BB962C8B-B14F-4D97-AF65-F5344CB8AC3E}">
+        <p14:creationId xmlns:p14="http://schemas.microsoft.com/office/powerpoint/2010/main" val="2733912031"/>
+      </p:ext>
+    </p:extLst>
+  </p:cSld>
+  <p:clrMapOvr>
+    <a:masterClrMapping/>
+  </p:clrMapOvr>
+  <p:timing>
+    <p:tnLst>
+      <p:par>
+        <p:cTn id="1" dur="indefinite" restart="never" nodeType="tmRoot">
+          <p:childTnLst>
+            <p:seq concurrent="1" nextAc="seek">
+              <p:cTn id="2" dur="indefinite" nodeType="mainSeq">
+                <p:childTnLst>
+                  <p:par>
+                    <p:cTn id="3" fill="hold">
+                      <p:stCondLst>
+                        <p:cond delay="indefinite"/>
+                      </p:stCondLst>
+                      <p:childTnLst>
+                        <p:par>
+                          <p:cTn id="4" fill="hold">
+                            <p:stCondLst>
+                              <p:cond delay="0"/>
+                            </p:stCondLst>
+                            <p:childTnLst>
+                              <p:par>
+                                <p:cTn id="5" presetID="1" presetClass="entr" presetSubtype="0" fill="hold" nodeType="clickEffect">
+                                  <p:stCondLst>
+                                    <p:cond delay="0"/>
+                                  </p:stCondLst>
+                                  <p:childTnLst>
+                                    <p:set>
+                                      <p:cBhvr>
+                                        <p:cTn id="6" dur="1" fill="hold">
+                                          <p:stCondLst>
+                                            <p:cond delay="0"/>
+                                          </p:stCondLst>
+                                        </p:cTn>
+                                        <p:tgtEl>
+                                          <p:spTgt spid="4"/>
+                                        </p:tgtEl>
+                                        <p:attrNameLst>
+                                          <p:attrName>style.visibility</p:attrName>
+                                        </p:attrNameLst>
+                                      </p:cBhvr>
+                                      <p:to>
+                                        <p:strVal val="visible"/>
+                                      </p:to>
+                                    </p:set>
+                                  </p:childTnLst>
+                                </p:cTn>
+                              </p:par>
+                              <p:par>
+                                <p:cTn id="7" presetID="1" presetClass="entr" presetSubtype="0" fill="hold" nodeType="withEffect">
+                                  <p:stCondLst>
+                                    <p:cond delay="0"/>
+                                  </p:stCondLst>
+                                  <p:childTnLst>
+                                    <p:set>
+                                      <p:cBhvr>
+                                        <p:cTn id="8" dur="1" fill="hold">
+                                          <p:stCondLst>
+                                            <p:cond delay="0"/>
+                                          </p:stCondLst>
+                                        </p:cTn>
+                                        <p:tgtEl>
+                                          <p:spTgt spid="5"/>
+                                        </p:tgtEl>
+                                        <p:attrNameLst>
+                                          <p:attrName>style.visibility</p:attrName>
+                                        </p:attrNameLst>
+                                      </p:cBhvr>
+                                      <p:to>
+                                        <p:strVal val="visible"/>
+                                      </p:to>
+                                    </p:set>
+                                  </p:childTnLst>
+                                </p:cTn>
+                              </p:par>
+                            </p:childTnLst>
+                          </p:cTn>
+                        </p:par>
+                      </p:childTnLst>
+                    </p:cTn>
+                  </p:par>
+                </p:childTnLst>
+              </p:cTn>
+              <p:prevCondLst>
+                <p:cond evt="onPrev" delay="0">
+                  <p:tgtEl>
+                    <p:sldTgt/>
+                  </p:tgtEl>
+                </p:cond>
+              </p:prevCondLst>
+              <p:nextCondLst>
+                <p:cond evt="onNext" delay="0">
+                  <p:tgtEl>
+                    <p:sldTgt/>
+                  </p:tgtEl>
+                </p:cond>
+              </p:nextCondLst>
+            </p:seq>
+          </p:childTnLst>
+        </p:cTn>
+      </p:par>
+    </p:tnLst>
+  </p:timing>
+</p:sld>
+</file>
+
+<file path=ppt/slides/slide18.xml><?xml version="1.0" encoding="utf-8"?>
+<p:sld xmlns:a="http://schemas.openxmlformats.org/drawingml/2006/main" xmlns:r="http://schemas.openxmlformats.org/officeDocument/2006/relationships" xmlns:p="http://schemas.openxmlformats.org/presentationml/2006/main">
+  <p:cSld>
+    <p:spTree>
+      <p:nvGrpSpPr>
+        <p:cNvPr id="1" name=""/>
+        <p:cNvGrpSpPr/>
+        <p:nvPr/>
+      </p:nvGrpSpPr>
+      <p:grpSpPr>
+        <a:xfrm>
+          <a:off x="0" y="0"/>
+          <a:ext cx="0" cy="0"/>
+          <a:chOff x="0" y="0"/>
+          <a:chExt cx="0" cy="0"/>
+        </a:xfrm>
+      </p:grpSpPr>
       <p:pic>
         <p:nvPicPr>
           <p:cNvPr id="6" name="Picture 2">
@@ -6131,122 +6376,6 @@
 </p:sld>
 </file>
 
-<file path=ppt/slides/slide18.xml><?xml version="1.0" encoding="utf-8"?>
-<p:sld xmlns:a="http://schemas.openxmlformats.org/drawingml/2006/main" xmlns:r="http://schemas.openxmlformats.org/officeDocument/2006/relationships" xmlns:p="http://schemas.openxmlformats.org/presentationml/2006/main">
-  <p:cSld>
-    <p:spTree>
-      <p:nvGrpSpPr>
-        <p:cNvPr id="1" name=""/>
-        <p:cNvGrpSpPr/>
-        <p:nvPr/>
-      </p:nvGrpSpPr>
-      <p:grpSpPr>
-        <a:xfrm>
-          <a:off x="0" y="0"/>
-          <a:ext cx="0" cy="0"/>
-          <a:chOff x="0" y="0"/>
-          <a:chExt cx="0" cy="0"/>
-        </a:xfrm>
-      </p:grpSpPr>
-      <p:sp>
-        <p:nvSpPr>
-          <p:cNvPr id="2" name="Title 1"/>
-          <p:cNvSpPr>
-            <a:spLocks noGrp="1"/>
-          </p:cNvSpPr>
-          <p:nvPr>
-            <p:ph type="title"/>
-          </p:nvPr>
-        </p:nvSpPr>
-        <p:spPr/>
-        <p:txBody>
-          <a:bodyPr/>
-          <a:lstStyle/>
-          <a:p>
-            <a:endParaRPr lang="en-GB"/>
-          </a:p>
-        </p:txBody>
-      </p:sp>
-      <p:sp>
-        <p:nvSpPr>
-          <p:cNvPr id="3" name="Content Placeholder 2"/>
-          <p:cNvSpPr>
-            <a:spLocks noGrp="1"/>
-          </p:cNvSpPr>
-          <p:nvPr>
-            <p:ph idx="1"/>
-          </p:nvPr>
-        </p:nvSpPr>
-        <p:spPr/>
-        <p:txBody>
-          <a:bodyPr/>
-          <a:lstStyle/>
-          <a:p>
-            <a:endParaRPr lang="en-GB"/>
-          </a:p>
-        </p:txBody>
-      </p:sp>
-      <p:sp>
-        <p:nvSpPr>
-          <p:cNvPr id="4" name="Slide Number Placeholder 3"/>
-          <p:cNvSpPr>
-            <a:spLocks noGrp="1"/>
-          </p:cNvSpPr>
-          <p:nvPr>
-            <p:ph type="sldNum" sz="quarter" idx="11"/>
-          </p:nvPr>
-        </p:nvSpPr>
-        <p:spPr/>
-        <p:txBody>
-          <a:bodyPr/>
-          <a:lstStyle/>
-          <a:p>
-            <a:fld id="{103EA872-A674-449B-A120-B97244F8E91D}" type="slidenum">
-              <a:rPr lang="en-GB" smtClean="0"/>
-              <a:pPr/>
-              <a:t>18</a:t>
-            </a:fld>
-            <a:endParaRPr lang="en-GB" dirty="0"/>
-          </a:p>
-        </p:txBody>
-      </p:sp>
-      <p:pic>
-        <p:nvPicPr>
-          <p:cNvPr id="5" name="Picture 4"/>
-          <p:cNvPicPr>
-            <a:picLocks noChangeAspect="1"/>
-          </p:cNvPicPr>
-          <p:nvPr/>
-        </p:nvPicPr>
-        <p:blipFill>
-          <a:blip r:embed="rId2"/>
-          <a:stretch>
-            <a:fillRect/>
-          </a:stretch>
-        </p:blipFill>
-        <p:spPr>
-          <a:xfrm>
-            <a:off x="1199456" y="912486"/>
-            <a:ext cx="9652804" cy="5500815"/>
-          </a:xfrm>
-          <a:prstGeom prst="rect">
-            <a:avLst/>
-          </a:prstGeom>
-        </p:spPr>
-      </p:pic>
-    </p:spTree>
-    <p:extLst>
-      <p:ext uri="{BB962C8B-B14F-4D97-AF65-F5344CB8AC3E}">
-        <p14:creationId xmlns:p14="http://schemas.microsoft.com/office/powerpoint/2010/main" val="3213535589"/>
-      </p:ext>
-    </p:extLst>
-  </p:cSld>
-  <p:clrMapOvr>
-    <a:masterClrMapping/>
-  </p:clrMapOvr>
-</p:sld>
-</file>
-
 <file path=ppt/slides/slide19.xml><?xml version="1.0" encoding="utf-8"?>
 <p:sld xmlns:a="http://schemas.openxmlformats.org/drawingml/2006/main" xmlns:r="http://schemas.openxmlformats.org/officeDocument/2006/relationships" xmlns:p="http://schemas.openxmlformats.org/presentationml/2006/main">
   <p:cSld>
@@ -6279,7 +6408,7 @@
           <a:bodyPr/>
           <a:lstStyle/>
           <a:p>
-            <a:endParaRPr lang="en-GB" dirty="0"/>
+            <a:endParaRPr lang="en-GB"/>
           </a:p>
         </p:txBody>
       </p:sp>
@@ -6298,6 +6427,30 @@
           <a:bodyPr/>
           <a:lstStyle/>
           <a:p>
+            <a:endParaRPr lang="en-GB"/>
+          </a:p>
+        </p:txBody>
+      </p:sp>
+      <p:sp>
+        <p:nvSpPr>
+          <p:cNvPr id="4" name="Slide Number Placeholder 3"/>
+          <p:cNvSpPr>
+            <a:spLocks noGrp="1"/>
+          </p:cNvSpPr>
+          <p:nvPr>
+            <p:ph type="sldNum" sz="quarter" idx="11"/>
+          </p:nvPr>
+        </p:nvSpPr>
+        <p:spPr/>
+        <p:txBody>
+          <a:bodyPr/>
+          <a:lstStyle/>
+          <a:p>
+            <a:fld id="{103EA872-A674-449B-A120-B97244F8E91D}" type="slidenum">
+              <a:rPr lang="en-GB" smtClean="0"/>
+              <a:pPr/>
+              <a:t>19</a:t>
+            </a:fld>
             <a:endParaRPr lang="en-GB" dirty="0"/>
           </a:p>
         </p:txBody>
@@ -6318,60 +6471,18 @@
         </p:blipFill>
         <p:spPr>
           <a:xfrm>
-            <a:off x="2312048" y="482017"/>
-            <a:ext cx="4152900" cy="3238500"/>
+            <a:off x="1199456" y="912486"/>
+            <a:ext cx="9652804" cy="5500815"/>
           </a:xfrm>
           <a:prstGeom prst="rect">
             <a:avLst/>
           </a:prstGeom>
         </p:spPr>
       </p:pic>
-      <p:sp>
-        <p:nvSpPr>
-          <p:cNvPr id="6" name="TextBox 5"/>
-          <p:cNvSpPr txBox="1"/>
-          <p:nvPr/>
-        </p:nvSpPr>
-        <p:spPr>
-          <a:xfrm>
-            <a:off x="1115568" y="5678424"/>
-            <a:ext cx="6094745" cy="369332"/>
-          </a:xfrm>
-          <a:prstGeom prst="rect">
-            <a:avLst/>
-          </a:prstGeom>
-          <a:noFill/>
-        </p:spPr>
-        <p:txBody>
-          <a:bodyPr wrap="none" rtlCol="0">
-            <a:spAutoFit/>
-          </a:bodyPr>
-          <a:lstStyle/>
-          <a:p>
-            <a:r>
-              <a:rPr lang="en-US" u="sng" dirty="0"/>
-              <a:t>Step 4 calculate </a:t>
-            </a:r>
-            <a:r>
-              <a:rPr lang="en-US" u="sng" dirty="0" err="1"/>
-              <a:t>impact.R</a:t>
-            </a:r>
-            <a:r>
-              <a:rPr lang="en-GB" dirty="0"/>
-              <a:t> in the folder: </a:t>
-            </a:r>
-            <a:r>
-              <a:rPr lang="en-US" dirty="0"/>
-              <a:t>Step 4 Calculate impact</a:t>
-            </a:r>
-            <a:endParaRPr lang="en-GB" dirty="0"/>
-          </a:p>
-        </p:txBody>
-      </p:sp>
     </p:spTree>
     <p:extLst>
       <p:ext uri="{BB962C8B-B14F-4D97-AF65-F5344CB8AC3E}">
-        <p14:creationId xmlns:p14="http://schemas.microsoft.com/office/powerpoint/2010/main" val="1637555897"/>
+        <p14:creationId xmlns:p14="http://schemas.microsoft.com/office/powerpoint/2010/main" val="3213535589"/>
       </p:ext>
     </p:extLst>
   </p:cSld>
@@ -7500,6 +7611,140 @@
 </p:sld>
 </file>
 
+<file path=ppt/slides/slide20.xml><?xml version="1.0" encoding="utf-8"?>
+<p:sld xmlns:a="http://schemas.openxmlformats.org/drawingml/2006/main" xmlns:r="http://schemas.openxmlformats.org/officeDocument/2006/relationships" xmlns:p="http://schemas.openxmlformats.org/presentationml/2006/main">
+  <p:cSld>
+    <p:spTree>
+      <p:nvGrpSpPr>
+        <p:cNvPr id="1" name=""/>
+        <p:cNvGrpSpPr/>
+        <p:nvPr/>
+      </p:nvGrpSpPr>
+      <p:grpSpPr>
+        <a:xfrm>
+          <a:off x="0" y="0"/>
+          <a:ext cx="0" cy="0"/>
+          <a:chOff x="0" y="0"/>
+          <a:chExt cx="0" cy="0"/>
+        </a:xfrm>
+      </p:grpSpPr>
+      <p:sp>
+        <p:nvSpPr>
+          <p:cNvPr id="2" name="Title 1"/>
+          <p:cNvSpPr>
+            <a:spLocks noGrp="1"/>
+          </p:cNvSpPr>
+          <p:nvPr>
+            <p:ph type="title"/>
+          </p:nvPr>
+        </p:nvSpPr>
+        <p:spPr/>
+        <p:txBody>
+          <a:bodyPr/>
+          <a:lstStyle/>
+          <a:p>
+            <a:endParaRPr lang="en-GB" dirty="0"/>
+          </a:p>
+        </p:txBody>
+      </p:sp>
+      <p:sp>
+        <p:nvSpPr>
+          <p:cNvPr id="3" name="Content Placeholder 2"/>
+          <p:cNvSpPr>
+            <a:spLocks noGrp="1"/>
+          </p:cNvSpPr>
+          <p:nvPr>
+            <p:ph idx="1"/>
+          </p:nvPr>
+        </p:nvSpPr>
+        <p:spPr/>
+        <p:txBody>
+          <a:bodyPr/>
+          <a:lstStyle/>
+          <a:p>
+            <a:endParaRPr lang="en-GB" dirty="0"/>
+          </a:p>
+        </p:txBody>
+      </p:sp>
+      <p:pic>
+        <p:nvPicPr>
+          <p:cNvPr id="5" name="Picture 4"/>
+          <p:cNvPicPr>
+            <a:picLocks noChangeAspect="1"/>
+          </p:cNvPicPr>
+          <p:nvPr/>
+        </p:nvPicPr>
+        <p:blipFill>
+          <a:blip r:embed="rId2"/>
+          <a:stretch>
+            <a:fillRect/>
+          </a:stretch>
+        </p:blipFill>
+        <p:spPr>
+          <a:xfrm>
+            <a:off x="2312048" y="482017"/>
+            <a:ext cx="4152900" cy="3238500"/>
+          </a:xfrm>
+          <a:prstGeom prst="rect">
+            <a:avLst/>
+          </a:prstGeom>
+        </p:spPr>
+      </p:pic>
+      <p:sp>
+        <p:nvSpPr>
+          <p:cNvPr id="6" name="TextBox 5"/>
+          <p:cNvSpPr txBox="1"/>
+          <p:nvPr/>
+        </p:nvSpPr>
+        <p:spPr>
+          <a:xfrm>
+            <a:off x="1115568" y="5678424"/>
+            <a:ext cx="6094745" cy="369332"/>
+          </a:xfrm>
+          <a:prstGeom prst="rect">
+            <a:avLst/>
+          </a:prstGeom>
+          <a:noFill/>
+        </p:spPr>
+        <p:txBody>
+          <a:bodyPr wrap="none" rtlCol="0">
+            <a:spAutoFit/>
+          </a:bodyPr>
+          <a:lstStyle/>
+          <a:p>
+            <a:r>
+              <a:rPr lang="en-US" u="sng" dirty="0"/>
+              <a:t>Step 4 calculate </a:t>
+            </a:r>
+            <a:r>
+              <a:rPr lang="en-US" u="sng" dirty="0" err="1"/>
+              <a:t>impact.R</a:t>
+            </a:r>
+            <a:r>
+              <a:rPr lang="en-GB" dirty="0"/>
+              <a:t> in the folder: </a:t>
+            </a:r>
+            <a:r>
+              <a:rPr lang="en-US" dirty="0"/>
+              <a:t>Step 4 Calculate impact</a:t>
+            </a:r>
+            <a:endParaRPr lang="en-GB" dirty="0"/>
+          </a:p>
+        </p:txBody>
+      </p:sp>
+    </p:spTree>
+    <p:extLst>
+      <p:ext uri="{BB962C8B-B14F-4D97-AF65-F5344CB8AC3E}">
+        <p14:creationId xmlns:p14="http://schemas.microsoft.com/office/powerpoint/2010/main" val="1637555897"/>
+      </p:ext>
+    </p:extLst>
+  </p:cSld>
+  <p:clrMapOvr>
+    <a:masterClrMapping/>
+  </p:clrMapOvr>
+</p:sld>
+</file>
+
 <file path=ppt/slides/slide3.xml><?xml version="1.0" encoding="utf-8"?>
 <p:sld xmlns:a="http://schemas.openxmlformats.org/drawingml/2006/main" xmlns:r="http://schemas.openxmlformats.org/officeDocument/2006/relationships" xmlns:p="http://schemas.openxmlformats.org/presentationml/2006/main">
   <p:cSld>
